--- a/doc/SoftwareDesign/NetworkController/SwitchCentricOFRouter.pptx
+++ b/doc/SoftwareDesign/NetworkController/SwitchCentricOFRouter.pptx
@@ -271,7 +271,7 @@
           <a:p>
             <a:fld id="{D071C3B5-86A2-44CC-9BB1-43A4D096BA0E}" type="datetimeFigureOut">
               <a:rPr lang="zh-CN" altLang="en-US" smtClean="0"/>
-              <a:t>2020/8/4</a:t>
+              <a:t>2020/8/17</a:t>
             </a:fld>
             <a:endParaRPr lang="zh-CN" altLang="en-US"/>
           </a:p>
@@ -469,7 +469,7 @@
           <a:p>
             <a:fld id="{D071C3B5-86A2-44CC-9BB1-43A4D096BA0E}" type="datetimeFigureOut">
               <a:rPr lang="zh-CN" altLang="en-US" smtClean="0"/>
-              <a:t>2020/8/4</a:t>
+              <a:t>2020/8/17</a:t>
             </a:fld>
             <a:endParaRPr lang="zh-CN" altLang="en-US"/>
           </a:p>
@@ -677,7 +677,7 @@
           <a:p>
             <a:fld id="{D071C3B5-86A2-44CC-9BB1-43A4D096BA0E}" type="datetimeFigureOut">
               <a:rPr lang="zh-CN" altLang="en-US" smtClean="0"/>
-              <a:t>2020/8/4</a:t>
+              <a:t>2020/8/17</a:t>
             </a:fld>
             <a:endParaRPr lang="zh-CN" altLang="en-US"/>
           </a:p>
@@ -875,7 +875,7 @@
           <a:p>
             <a:fld id="{D071C3B5-86A2-44CC-9BB1-43A4D096BA0E}" type="datetimeFigureOut">
               <a:rPr lang="zh-CN" altLang="en-US" smtClean="0"/>
-              <a:t>2020/8/4</a:t>
+              <a:t>2020/8/17</a:t>
             </a:fld>
             <a:endParaRPr lang="zh-CN" altLang="en-US"/>
           </a:p>
@@ -1150,7 +1150,7 @@
           <a:p>
             <a:fld id="{D071C3B5-86A2-44CC-9BB1-43A4D096BA0E}" type="datetimeFigureOut">
               <a:rPr lang="zh-CN" altLang="en-US" smtClean="0"/>
-              <a:t>2020/8/4</a:t>
+              <a:t>2020/8/17</a:t>
             </a:fld>
             <a:endParaRPr lang="zh-CN" altLang="en-US"/>
           </a:p>
@@ -1415,7 +1415,7 @@
           <a:p>
             <a:fld id="{D071C3B5-86A2-44CC-9BB1-43A4D096BA0E}" type="datetimeFigureOut">
               <a:rPr lang="zh-CN" altLang="en-US" smtClean="0"/>
-              <a:t>2020/8/4</a:t>
+              <a:t>2020/8/17</a:t>
             </a:fld>
             <a:endParaRPr lang="zh-CN" altLang="en-US"/>
           </a:p>
@@ -1827,7 +1827,7 @@
           <a:p>
             <a:fld id="{D071C3B5-86A2-44CC-9BB1-43A4D096BA0E}" type="datetimeFigureOut">
               <a:rPr lang="zh-CN" altLang="en-US" smtClean="0"/>
-              <a:t>2020/8/4</a:t>
+              <a:t>2020/8/17</a:t>
             </a:fld>
             <a:endParaRPr lang="zh-CN" altLang="en-US"/>
           </a:p>
@@ -1968,7 +1968,7 @@
           <a:p>
             <a:fld id="{D071C3B5-86A2-44CC-9BB1-43A4D096BA0E}" type="datetimeFigureOut">
               <a:rPr lang="zh-CN" altLang="en-US" smtClean="0"/>
-              <a:t>2020/8/4</a:t>
+              <a:t>2020/8/17</a:t>
             </a:fld>
             <a:endParaRPr lang="zh-CN" altLang="en-US"/>
           </a:p>
@@ -2081,7 +2081,7 @@
           <a:p>
             <a:fld id="{D071C3B5-86A2-44CC-9BB1-43A4D096BA0E}" type="datetimeFigureOut">
               <a:rPr lang="zh-CN" altLang="en-US" smtClean="0"/>
-              <a:t>2020/8/4</a:t>
+              <a:t>2020/8/17</a:t>
             </a:fld>
             <a:endParaRPr lang="zh-CN" altLang="en-US"/>
           </a:p>
@@ -2392,7 +2392,7 @@
           <a:p>
             <a:fld id="{D071C3B5-86A2-44CC-9BB1-43A4D096BA0E}" type="datetimeFigureOut">
               <a:rPr lang="zh-CN" altLang="en-US" smtClean="0"/>
-              <a:t>2020/8/4</a:t>
+              <a:t>2020/8/17</a:t>
             </a:fld>
             <a:endParaRPr lang="zh-CN" altLang="en-US"/>
           </a:p>
@@ -2680,7 +2680,7 @@
           <a:p>
             <a:fld id="{D071C3B5-86A2-44CC-9BB1-43A4D096BA0E}" type="datetimeFigureOut">
               <a:rPr lang="zh-CN" altLang="en-US" smtClean="0"/>
-              <a:t>2020/8/4</a:t>
+              <a:t>2020/8/17</a:t>
             </a:fld>
             <a:endParaRPr lang="zh-CN" altLang="en-US"/>
           </a:p>
@@ -2921,7 +2921,7 @@
           <a:p>
             <a:fld id="{D071C3B5-86A2-44CC-9BB1-43A4D096BA0E}" type="datetimeFigureOut">
               <a:rPr lang="zh-CN" altLang="en-US" smtClean="0"/>
-              <a:t>2020/8/4</a:t>
+              <a:t>2020/8/17</a:t>
             </a:fld>
             <a:endParaRPr lang="zh-CN" altLang="en-US"/>
           </a:p>
@@ -8357,14 +8357,14 @@
           <p:nvPr>
             <p:extLst>
               <p:ext uri="{D42A27DB-BD31-4B8C-83A1-F6EECF244321}">
-                <p14:modId xmlns:p14="http://schemas.microsoft.com/office/powerpoint/2010/main" val="436410162"/>
+                <p14:modId xmlns:p14="http://schemas.microsoft.com/office/powerpoint/2010/main" val="561570597"/>
               </p:ext>
             </p:extLst>
           </p:nvPr>
         </p:nvGraphicFramePr>
         <p:xfrm>
           <a:off x="6285720" y="196449"/>
-          <a:ext cx="5572202" cy="3296920"/>
+          <a:ext cx="5572202" cy="2717800"/>
         </p:xfrm>
         <a:graphic>
           <a:graphicData uri="http://schemas.openxmlformats.org/drawingml/2006/table">
@@ -8584,7 +8584,7 @@
                     <a:p>
                       <a:r>
                         <a:rPr lang="en-US" altLang="zh-CN" sz="1600" dirty="0"/>
-                        <a:t>GOTO CLASSIFIER_TABLE</a:t>
+                        <a:t>GOTO IPv4_CLASSIFIER_TABLE</a:t>
                       </a:r>
                       <a:endParaRPr lang="zh-CN" altLang="en-US" sz="1600" dirty="0"/>
                     </a:p>
@@ -8626,23 +8626,29 @@
                     <a:lstStyle/>
                     <a:p>
                       <a:r>
+                        <a:rPr lang="en-US" altLang="zh-CN" sz="1600" dirty="0" err="1"/>
+                        <a:t>dstMAC</a:t>
+                      </a:r>
+                      <a:r>
                         <a:rPr lang="en-US" altLang="zh-CN" sz="1600" dirty="0"/>
-                        <a:t>IN_PORT=XXX, </a:t>
-                      </a:r>
+                        <a:t>=LOCAL_PORT_MAC,</a:t>
+                      </a:r>
+                    </a:p>
+                    <a:p>
                       <a:r>
                         <a:rPr lang="en-US" altLang="zh-CN" sz="1600" dirty="0" err="1"/>
                         <a:t>etherType</a:t>
                       </a:r>
                       <a:r>
                         <a:rPr lang="en-US" altLang="zh-CN" sz="1600" dirty="0"/>
-                        <a:t>=IPv4</a:t>
+                        <a:t>=VLAN</a:t>
                       </a:r>
                       <a:endParaRPr lang="zh-CN" altLang="en-US" sz="1600" dirty="0"/>
                     </a:p>
                   </a:txBody>
                   <a:tcPr>
                     <a:solidFill>
-                      <a:srgbClr val="FFC000"/>
+                      <a:schemeClr val="accent2"/>
                     </a:solidFill>
                   </a:tcPr>
                 </a:tc>
@@ -8650,20 +8656,6 @@
                   <a:txBody>
                     <a:bodyPr/>
                     <a:lstStyle/>
-                    <a:p>
-                      <a:r>
-                        <a:rPr lang="en-US" altLang="zh-CN" sz="1600" dirty="0"/>
-                        <a:t>Set-field: </a:t>
-                      </a:r>
-                      <a:r>
-                        <a:rPr lang="en-US" altLang="zh-CN" sz="1600" dirty="0" err="1"/>
-                        <a:t>Srcdstmac</a:t>
-                      </a:r>
-                      <a:r>
-                        <a:rPr lang="en-US" altLang="zh-CN" sz="1600" dirty="0"/>
-                        <a:t>;</a:t>
-                      </a:r>
-                    </a:p>
                     <a:p>
                       <a:pPr marL="0" marR="0" lvl="0" indent="0" algn="l" defTabSz="914400" rtl="0" eaLnBrk="1" fontAlgn="auto" latinLnBrk="0" hangingPunct="1">
                         <a:lnSpc>
@@ -8684,98 +8676,6 @@
                       </a:pPr>
                       <a:r>
                         <a:rPr lang="en-US" altLang="zh-CN" sz="1600" dirty="0"/>
-                        <a:t>GOTO L2_TABLE</a:t>
-                      </a:r>
-                      <a:endParaRPr lang="zh-CN" altLang="en-US" sz="1600" dirty="0"/>
-                    </a:p>
-                  </a:txBody>
-                  <a:tcPr>
-                    <a:solidFill>
-                      <a:srgbClr val="FFC000"/>
-                    </a:solidFill>
-                  </a:tcPr>
-                </a:tc>
-                <a:tc>
-                  <a:txBody>
-                    <a:bodyPr/>
-                    <a:lstStyle/>
-                    <a:p>
-                      <a:r>
-                        <a:rPr lang="en-US" altLang="zh-CN" sz="1600" dirty="0"/>
-                        <a:t>2</a:t>
-                      </a:r>
-                      <a:endParaRPr lang="zh-CN" altLang="en-US" sz="1600" dirty="0"/>
-                    </a:p>
-                  </a:txBody>
-                  <a:tcPr>
-                    <a:solidFill>
-                      <a:srgbClr val="FFC000"/>
-                    </a:solidFill>
-                  </a:tcPr>
-                </a:tc>
-                <a:extLst>
-                  <a:ext uri="{0D108BD9-81ED-4DB2-BD59-A6C34878D82A}">
-                    <a16:rowId xmlns:a16="http://schemas.microsoft.com/office/drawing/2014/main" val="4144001763"/>
-                  </a:ext>
-                </a:extLst>
-              </a:tr>
-              <a:tr h="289560">
-                <a:tc>
-                  <a:txBody>
-                    <a:bodyPr/>
-                    <a:lstStyle/>
-                    <a:p>
-                      <a:r>
-                        <a:rPr lang="en-US" altLang="zh-CN" sz="1600" dirty="0" err="1"/>
-                        <a:t>dstMAC</a:t>
-                      </a:r>
-                      <a:r>
-                        <a:rPr lang="en-US" altLang="zh-CN" sz="1600" dirty="0"/>
-                        <a:t>=LOCAL_PORT_MAC,</a:t>
-                      </a:r>
-                    </a:p>
-                    <a:p>
-                      <a:r>
-                        <a:rPr lang="en-US" altLang="zh-CN" sz="1600" dirty="0" err="1"/>
-                        <a:t>etherType</a:t>
-                      </a:r>
-                      <a:r>
-                        <a:rPr lang="en-US" altLang="zh-CN" sz="1600" dirty="0"/>
-                        <a:t>=VLAN</a:t>
-                      </a:r>
-                      <a:endParaRPr lang="zh-CN" altLang="en-US" sz="1600" dirty="0"/>
-                    </a:p>
-                  </a:txBody>
-                  <a:tcPr>
-                    <a:solidFill>
-                      <a:schemeClr val="accent2"/>
-                    </a:solidFill>
-                  </a:tcPr>
-                </a:tc>
-                <a:tc>
-                  <a:txBody>
-                    <a:bodyPr/>
-                    <a:lstStyle/>
-                    <a:p>
-                      <a:pPr marL="0" marR="0" lvl="0" indent="0" algn="l" defTabSz="914400" rtl="0" eaLnBrk="1" fontAlgn="auto" latinLnBrk="0" hangingPunct="1">
-                        <a:lnSpc>
-                          <a:spcPct val="100000"/>
-                        </a:lnSpc>
-                        <a:spcBef>
-                          <a:spcPts val="0"/>
-                        </a:spcBef>
-                        <a:spcAft>
-                          <a:spcPts val="0"/>
-                        </a:spcAft>
-                        <a:buClrTx/>
-                        <a:buSzTx/>
-                        <a:buFontTx/>
-                        <a:buNone/>
-                        <a:tabLst/>
-                        <a:defRPr/>
-                      </a:pPr>
-                      <a:r>
-                        <a:rPr lang="en-US" altLang="zh-CN" sz="1600" dirty="0"/>
                         <a:t>GOTO VLAN_TABLE</a:t>
                       </a:r>
                       <a:endParaRPr lang="zh-CN" altLang="en-US" sz="1600" dirty="0"/>
@@ -8891,14 +8791,14 @@
           <p:nvPr>
             <p:extLst>
               <p:ext uri="{D42A27DB-BD31-4B8C-83A1-F6EECF244321}">
-                <p14:modId xmlns:p14="http://schemas.microsoft.com/office/powerpoint/2010/main" val="1306117299"/>
+                <p14:modId xmlns:p14="http://schemas.microsoft.com/office/powerpoint/2010/main" val="2859377025"/>
               </p:ext>
             </p:extLst>
           </p:nvPr>
         </p:nvGraphicFramePr>
         <p:xfrm>
-          <a:off x="6285720" y="3918914"/>
-          <a:ext cx="5572202" cy="2836992"/>
+          <a:off x="6285720" y="3102747"/>
+          <a:ext cx="5572202" cy="3416112"/>
         </p:xfrm>
         <a:graphic>
           <a:graphicData uri="http://schemas.openxmlformats.org/drawingml/2006/table">
@@ -8937,7 +8837,7 @@
                     <a:p>
                       <a:r>
                         <a:rPr lang="en-US" altLang="zh-CN" dirty="0"/>
-                        <a:t>Flow Table 1 – CLASSIFIER_TABLE</a:t>
+                        <a:t>Flow Table 1 – IPv4_CLASSIFIER_TABLE</a:t>
                       </a:r>
                       <a:endParaRPr lang="zh-CN" altLang="en-US" dirty="0"/>
                     </a:p>
@@ -9083,6 +8983,163 @@
                     <a:lstStyle/>
                     <a:p>
                       <a:r>
+                        <a:rPr lang="en-US" altLang="zh-CN" sz="1600" dirty="0"/>
+                        <a:t>IN_PORT=XXX</a:t>
+                      </a:r>
+                      <a:endParaRPr lang="zh-CN" altLang="en-US" sz="1600" dirty="0"/>
+                    </a:p>
+                  </a:txBody>
+                  <a:tcPr>
+                    <a:solidFill>
+                      <a:srgbClr val="FFC000"/>
+                    </a:solidFill>
+                  </a:tcPr>
+                </a:tc>
+                <a:tc>
+                  <a:txBody>
+                    <a:bodyPr/>
+                    <a:lstStyle/>
+                    <a:p>
+                      <a:r>
+                        <a:rPr lang="en-US" altLang="zh-CN" sz="1600" dirty="0"/>
+                        <a:t>Set-field: </a:t>
+                      </a:r>
+                      <a:r>
+                        <a:rPr lang="en-US" altLang="zh-CN" sz="1600" dirty="0" err="1"/>
+                        <a:t>Srcdstmac</a:t>
+                      </a:r>
+                      <a:r>
+                        <a:rPr lang="en-US" altLang="zh-CN" sz="1600" dirty="0"/>
+                        <a:t>;</a:t>
+                      </a:r>
+                    </a:p>
+                    <a:p>
+                      <a:pPr marL="0" marR="0" lvl="0" indent="0" algn="l" defTabSz="914400" rtl="0" eaLnBrk="1" fontAlgn="auto" latinLnBrk="0" hangingPunct="1">
+                        <a:lnSpc>
+                          <a:spcPct val="100000"/>
+                        </a:lnSpc>
+                        <a:spcBef>
+                          <a:spcPts val="0"/>
+                        </a:spcBef>
+                        <a:spcAft>
+                          <a:spcPts val="0"/>
+                        </a:spcAft>
+                        <a:buClrTx/>
+                        <a:buSzTx/>
+                        <a:buFontTx/>
+                        <a:buNone/>
+                        <a:tabLst/>
+                        <a:defRPr/>
+                      </a:pPr>
+                      <a:r>
+                        <a:rPr lang="en-US" altLang="zh-CN" sz="1600" dirty="0"/>
+                        <a:t>GOTO L2_TABLE</a:t>
+                      </a:r>
+                      <a:endParaRPr lang="zh-CN" altLang="en-US" sz="1600" dirty="0"/>
+                    </a:p>
+                  </a:txBody>
+                  <a:tcPr>
+                    <a:solidFill>
+                      <a:srgbClr val="FFC000"/>
+                    </a:solidFill>
+                  </a:tcPr>
+                </a:tc>
+                <a:tc>
+                  <a:txBody>
+                    <a:bodyPr/>
+                    <a:lstStyle/>
+                    <a:p>
+                      <a:r>
+                        <a:rPr lang="en-US" altLang="zh-CN" sz="1600" dirty="0"/>
+                        <a:t>3</a:t>
+                      </a:r>
+                      <a:endParaRPr lang="zh-CN" altLang="en-US" sz="1600" dirty="0"/>
+                    </a:p>
+                  </a:txBody>
+                  <a:tcPr>
+                    <a:solidFill>
+                      <a:srgbClr val="FFC000"/>
+                    </a:solidFill>
+                  </a:tcPr>
+                </a:tc>
+                <a:extLst>
+                  <a:ext uri="{0D108BD9-81ED-4DB2-BD59-A6C34878D82A}">
+                    <a16:rowId xmlns:a16="http://schemas.microsoft.com/office/drawing/2014/main" val="1481013012"/>
+                  </a:ext>
+                </a:extLst>
+              </a:tr>
+              <a:tr h="223520">
+                <a:tc>
+                  <a:txBody>
+                    <a:bodyPr/>
+                    <a:lstStyle/>
+                    <a:p>
+                      <a:r>
+                        <a:rPr lang="en-US" altLang="zh-CN" sz="1600" dirty="0" err="1"/>
+                        <a:t>dstIP</a:t>
+                      </a:r>
+                      <a:r>
+                        <a:rPr lang="en-US" altLang="zh-CN" sz="1600" dirty="0"/>
+                        <a:t>=10.0.0.0/8</a:t>
+                      </a:r>
+                      <a:endParaRPr lang="zh-CN" altLang="en-US" sz="1600" dirty="0"/>
+                    </a:p>
+                  </a:txBody>
+                  <a:tcPr>
+                    <a:solidFill>
+                      <a:srgbClr val="FFC000"/>
+                    </a:solidFill>
+                  </a:tcPr>
+                </a:tc>
+                <a:tc>
+                  <a:txBody>
+                    <a:bodyPr/>
+                    <a:lstStyle/>
+                    <a:p>
+                      <a:r>
+                        <a:rPr lang="en-US" altLang="zh-CN" sz="1600" dirty="0"/>
+                        <a:t>GOTO UFFR_TABLE</a:t>
+                      </a:r>
+                      <a:endParaRPr lang="zh-CN" altLang="en-US" sz="1600" dirty="0"/>
+                    </a:p>
+                  </a:txBody>
+                  <a:tcPr>
+                    <a:solidFill>
+                      <a:srgbClr val="FFC000"/>
+                    </a:solidFill>
+                  </a:tcPr>
+                </a:tc>
+                <a:tc>
+                  <a:txBody>
+                    <a:bodyPr/>
+                    <a:lstStyle/>
+                    <a:p>
+                      <a:r>
+                        <a:rPr lang="en-US" altLang="zh-CN" sz="1600" dirty="0"/>
+                        <a:t>2</a:t>
+                      </a:r>
+                      <a:endParaRPr lang="zh-CN" altLang="en-US" sz="1600" dirty="0"/>
+                    </a:p>
+                  </a:txBody>
+                  <a:tcPr>
+                    <a:solidFill>
+                      <a:srgbClr val="FFC000"/>
+                    </a:solidFill>
+                  </a:tcPr>
+                </a:tc>
+                <a:extLst>
+                  <a:ext uri="{0D108BD9-81ED-4DB2-BD59-A6C34878D82A}">
+                    <a16:rowId xmlns:a16="http://schemas.microsoft.com/office/drawing/2014/main" val="3915300632"/>
+                  </a:ext>
+                </a:extLst>
+              </a:tr>
+              <a:tr h="411480">
+                <a:tc>
+                  <a:txBody>
+                    <a:bodyPr/>
+                    <a:lstStyle/>
+                    <a:p>
+                      <a:r>
                         <a:rPr lang="en-US" altLang="zh-CN" sz="1600" dirty="0" err="1"/>
                         <a:t>dstIP</a:t>
                       </a:r>
@@ -9143,72 +9200,7 @@
                 </a:tc>
                 <a:extLst>
                   <a:ext uri="{0D108BD9-81ED-4DB2-BD59-A6C34878D82A}">
-                    <a16:rowId xmlns:a16="http://schemas.microsoft.com/office/drawing/2014/main" val="2915451844"/>
-                  </a:ext>
-                </a:extLst>
-              </a:tr>
-              <a:tr h="223520">
-                <a:tc>
-                  <a:txBody>
-                    <a:bodyPr/>
-                    <a:lstStyle/>
-                    <a:p>
-                      <a:r>
-                        <a:rPr lang="en-US" altLang="zh-CN" sz="1600" dirty="0" err="1"/>
-                        <a:t>dstIP</a:t>
-                      </a:r>
-                      <a:r>
-                        <a:rPr lang="en-US" altLang="zh-CN" sz="1600" dirty="0"/>
-                        <a:t>=10.0.0.0/8</a:t>
-                      </a:r>
-                      <a:endParaRPr lang="zh-CN" altLang="en-US" sz="1600" dirty="0"/>
-                    </a:p>
-                  </a:txBody>
-                  <a:tcPr>
-                    <a:solidFill>
-                      <a:srgbClr val="FFC000"/>
-                    </a:solidFill>
-                  </a:tcPr>
-                </a:tc>
-                <a:tc>
-                  <a:txBody>
-                    <a:bodyPr/>
-                    <a:lstStyle/>
-                    <a:p>
-                      <a:r>
-                        <a:rPr lang="en-US" altLang="zh-CN" sz="1600" dirty="0"/>
-                        <a:t>GOTO UFFR_TABLE</a:t>
-                      </a:r>
-                      <a:endParaRPr lang="zh-CN" altLang="en-US" sz="1600" dirty="0"/>
-                    </a:p>
-                  </a:txBody>
-                  <a:tcPr>
-                    <a:solidFill>
-                      <a:srgbClr val="FFC000"/>
-                    </a:solidFill>
-                  </a:tcPr>
-                </a:tc>
-                <a:tc>
-                  <a:txBody>
-                    <a:bodyPr/>
-                    <a:lstStyle/>
-                    <a:p>
-                      <a:r>
-                        <a:rPr lang="en-US" altLang="zh-CN" sz="1600" dirty="0"/>
-                        <a:t>2</a:t>
-                      </a:r>
-                      <a:endParaRPr lang="zh-CN" altLang="en-US" sz="1600" dirty="0"/>
-                    </a:p>
-                  </a:txBody>
-                  <a:tcPr>
-                    <a:solidFill>
-                      <a:srgbClr val="FFC000"/>
-                    </a:solidFill>
-                  </a:tcPr>
-                </a:tc>
-                <a:extLst>
-                  <a:ext uri="{0D108BD9-81ED-4DB2-BD59-A6C34878D82A}">
-                    <a16:rowId xmlns:a16="http://schemas.microsoft.com/office/drawing/2014/main" val="3915300632"/>
+                    <a16:rowId xmlns:a16="http://schemas.microsoft.com/office/drawing/2014/main" val="2000584350"/>
                   </a:ext>
                 </a:extLst>
               </a:tr>
@@ -9637,6 +9629,138 @@
           </p:txBody>
         </p:sp>
       </p:grpSp>
+      <p:sp>
+        <p:nvSpPr>
+          <p:cNvPr id="4" name="文本框 3">
+            <a:extLst>
+              <a:ext uri="{FF2B5EF4-FFF2-40B4-BE49-F238E27FC236}">
+                <a16:creationId xmlns:a16="http://schemas.microsoft.com/office/drawing/2014/main" id="{22D01BF0-ABC4-404E-898D-E4B7C1E99BBE}"/>
+              </a:ext>
+            </a:extLst>
+          </p:cNvPr>
+          <p:cNvSpPr txBox="1"/>
+          <p:nvPr/>
+        </p:nvSpPr>
+        <p:spPr>
+          <a:xfrm>
+            <a:off x="3300042" y="3951243"/>
+            <a:ext cx="2795958" cy="369332"/>
+          </a:xfrm>
+          <a:prstGeom prst="rect">
+            <a:avLst/>
+          </a:prstGeom>
+          <a:noFill/>
+        </p:spPr>
+        <p:txBody>
+          <a:bodyPr wrap="none" rtlCol="0">
+            <a:spAutoFit/>
+          </a:bodyPr>
+          <a:lstStyle/>
+          <a:p>
+            <a:r>
+              <a:rPr lang="en-US" altLang="zh-CN" b="1" dirty="0">
+                <a:solidFill>
+                  <a:srgbClr val="FF0000"/>
+                </a:solidFill>
+              </a:rPr>
+              <a:t>To server based classifier</a:t>
+            </a:r>
+            <a:endParaRPr lang="zh-CN" altLang="en-US" b="1" dirty="0">
+              <a:solidFill>
+                <a:srgbClr val="FF0000"/>
+              </a:solidFill>
+            </a:endParaRPr>
+          </a:p>
+        </p:txBody>
+      </p:sp>
+      <p:sp>
+        <p:nvSpPr>
+          <p:cNvPr id="11" name="文本框 10">
+            <a:extLst>
+              <a:ext uri="{FF2B5EF4-FFF2-40B4-BE49-F238E27FC236}">
+                <a16:creationId xmlns:a16="http://schemas.microsoft.com/office/drawing/2014/main" id="{1FB6C1E1-84FA-4282-B277-80D809F4527D}"/>
+              </a:ext>
+            </a:extLst>
+          </p:cNvPr>
+          <p:cNvSpPr txBox="1"/>
+          <p:nvPr/>
+        </p:nvSpPr>
+        <p:spPr>
+          <a:xfrm>
+            <a:off x="4479852" y="1909047"/>
+            <a:ext cx="1616148" cy="369332"/>
+          </a:xfrm>
+          <a:prstGeom prst="rect">
+            <a:avLst/>
+          </a:prstGeom>
+          <a:noFill/>
+        </p:spPr>
+        <p:txBody>
+          <a:bodyPr wrap="none" rtlCol="0">
+            <a:spAutoFit/>
+          </a:bodyPr>
+          <a:lstStyle/>
+          <a:p>
+            <a:r>
+              <a:rPr lang="en-US" altLang="zh-CN" b="1" dirty="0">
+                <a:solidFill>
+                  <a:srgbClr val="FF0000"/>
+                </a:solidFill>
+              </a:rPr>
+              <a:t>VLAN routing</a:t>
+            </a:r>
+            <a:endParaRPr lang="zh-CN" altLang="en-US" b="1" dirty="0">
+              <a:solidFill>
+                <a:srgbClr val="FF0000"/>
+              </a:solidFill>
+            </a:endParaRPr>
+          </a:p>
+        </p:txBody>
+      </p:sp>
+      <p:sp>
+        <p:nvSpPr>
+          <p:cNvPr id="12" name="文本框 11">
+            <a:extLst>
+              <a:ext uri="{FF2B5EF4-FFF2-40B4-BE49-F238E27FC236}">
+                <a16:creationId xmlns:a16="http://schemas.microsoft.com/office/drawing/2014/main" id="{B5AAF505-9171-44C5-AA91-6E0244698640}"/>
+              </a:ext>
+            </a:extLst>
+          </p:cNvPr>
+          <p:cNvSpPr txBox="1"/>
+          <p:nvPr/>
+        </p:nvSpPr>
+        <p:spPr>
+          <a:xfrm>
+            <a:off x="4479852" y="1137086"/>
+            <a:ext cx="1471878" cy="369332"/>
+          </a:xfrm>
+          <a:prstGeom prst="rect">
+            <a:avLst/>
+          </a:prstGeom>
+          <a:noFill/>
+        </p:spPr>
+        <p:txBody>
+          <a:bodyPr wrap="none" rtlCol="0">
+            <a:spAutoFit/>
+          </a:bodyPr>
+          <a:lstStyle/>
+          <a:p>
+            <a:r>
+              <a:rPr lang="en-US" altLang="zh-CN" b="1" dirty="0">
+                <a:solidFill>
+                  <a:srgbClr val="FF0000"/>
+                </a:solidFill>
+              </a:rPr>
+              <a:t>IPv4 routing</a:t>
+            </a:r>
+            <a:endParaRPr lang="zh-CN" altLang="en-US" b="1" dirty="0">
+              <a:solidFill>
+                <a:srgbClr val="FF0000"/>
+              </a:solidFill>
+            </a:endParaRPr>
+          </a:p>
+        </p:txBody>
+      </p:sp>
     </p:spTree>
     <p:extLst>
       <p:ext uri="{BB962C8B-B14F-4D97-AF65-F5344CB8AC3E}">
@@ -11235,13 +11359,13 @@
           <p:nvPr>
             <p:extLst>
               <p:ext uri="{D42A27DB-BD31-4B8C-83A1-F6EECF244321}">
-                <p14:modId xmlns:p14="http://schemas.microsoft.com/office/powerpoint/2010/main" val="2864562640"/>
+                <p14:modId xmlns:p14="http://schemas.microsoft.com/office/powerpoint/2010/main" val="3050319317"/>
               </p:ext>
             </p:extLst>
           </p:nvPr>
         </p:nvGraphicFramePr>
         <p:xfrm>
-          <a:off x="6196722" y="4625410"/>
+          <a:off x="6205615" y="4709353"/>
           <a:ext cx="5828432" cy="2113280"/>
         </p:xfrm>
         <a:graphic>
@@ -11807,14 +11931,14 @@
           <p:nvPr>
             <p:extLst>
               <p:ext uri="{D42A27DB-BD31-4B8C-83A1-F6EECF244321}">
-                <p14:modId xmlns:p14="http://schemas.microsoft.com/office/powerpoint/2010/main" val="3774503862"/>
+                <p14:modId xmlns:p14="http://schemas.microsoft.com/office/powerpoint/2010/main" val="2124260625"/>
               </p:ext>
             </p:extLst>
           </p:nvPr>
         </p:nvGraphicFramePr>
         <p:xfrm>
           <a:off x="6187829" y="119310"/>
-          <a:ext cx="5837325" cy="1813560"/>
+          <a:ext cx="5837325" cy="2636520"/>
         </p:xfrm>
         <a:graphic>
           <a:graphicData uri="http://schemas.openxmlformats.org/drawingml/2006/table">
@@ -12008,7 +12132,7 @@
                       </a:r>
                       <a:r>
                         <a:rPr lang="en-US" altLang="zh-CN" sz="1600" dirty="0"/>
-                        <a:t>=10.1.1.0</a:t>
+                        <a:t>=10.1.1.1/32</a:t>
                       </a:r>
                       <a:endParaRPr lang="zh-CN" altLang="en-US" sz="1600" dirty="0"/>
                     </a:p>
@@ -12073,7 +12197,7 @@
                       </a:r>
                       <a:r>
                         <a:rPr lang="en-US" altLang="zh-CN" sz="1600" dirty="0"/>
-                        <a:t>=10.1.2.0</a:t>
+                        <a:t>=10.1.2.1/32</a:t>
                       </a:r>
                       <a:endParaRPr lang="zh-CN" altLang="en-US" sz="1600" dirty="0"/>
                     </a:p>
@@ -12123,6 +12247,112 @@
                 <a:extLst>
                   <a:ext uri="{0D108BD9-81ED-4DB2-BD59-A6C34878D82A}">
                     <a16:rowId xmlns:a16="http://schemas.microsoft.com/office/drawing/2014/main" val="4143019681"/>
+                  </a:ext>
+                </a:extLst>
+              </a:tr>
+              <a:tr h="370840">
+                <a:tc>
+                  <a:txBody>
+                    <a:bodyPr/>
+                    <a:lstStyle/>
+                    <a:p>
+                      <a:pPr marL="0" marR="0" lvl="0" indent="0" algn="l" defTabSz="914400" rtl="0" eaLnBrk="1" fontAlgn="auto" latinLnBrk="0" hangingPunct="1">
+                        <a:lnSpc>
+                          <a:spcPct val="100000"/>
+                        </a:lnSpc>
+                        <a:spcBef>
+                          <a:spcPts val="0"/>
+                        </a:spcBef>
+                        <a:spcAft>
+                          <a:spcPts val="0"/>
+                        </a:spcAft>
+                        <a:buClrTx/>
+                        <a:buSzTx/>
+                        <a:buFontTx/>
+                        <a:buNone/>
+                        <a:tabLst/>
+                        <a:defRPr/>
+                      </a:pPr>
+                      <a:r>
+                        <a:rPr lang="en-US" altLang="zh-CN" sz="1600" dirty="0" err="1"/>
+                        <a:t>dstIP</a:t>
+                      </a:r>
+                      <a:r>
+                        <a:rPr lang="en-US" altLang="zh-CN" sz="1600" dirty="0"/>
+                        <a:t>=10.1.2.2/32</a:t>
+                      </a:r>
+                      <a:endParaRPr lang="zh-CN" altLang="en-US" sz="1600" dirty="0"/>
+                    </a:p>
+                  </a:txBody>
+                  <a:tcPr>
+                    <a:solidFill>
+                      <a:srgbClr val="FFC000"/>
+                    </a:solidFill>
+                  </a:tcPr>
+                </a:tc>
+                <a:tc>
+                  <a:txBody>
+                    <a:bodyPr/>
+                    <a:lstStyle/>
+                    <a:p>
+                      <a:r>
+                        <a:rPr lang="en-US" altLang="zh-CN" sz="1600" dirty="0"/>
+                        <a:t>TTL;</a:t>
+                      </a:r>
+                    </a:p>
+                    <a:p>
+                      <a:r>
+                        <a:rPr lang="en-US" altLang="zh-CN" sz="1600" dirty="0"/>
+                        <a:t>Set-field: </a:t>
+                      </a:r>
+                      <a:r>
+                        <a:rPr lang="en-US" altLang="zh-CN" sz="1600" dirty="0" err="1"/>
+                        <a:t>Srcdstmac</a:t>
+                      </a:r>
+                      <a:r>
+                        <a:rPr lang="en-US" altLang="zh-CN" sz="1600" dirty="0"/>
+                        <a:t>;</a:t>
+                      </a:r>
+                    </a:p>
+                    <a:p>
+                      <a:r>
+                        <a:rPr lang="en-US" altLang="zh-CN" sz="1600" dirty="0" err="1"/>
+                        <a:t>Outport</a:t>
+                      </a:r>
+                      <a:r>
+                        <a:rPr lang="en-US" altLang="zh-CN" sz="1600" dirty="0"/>
+                        <a:t> 3</a:t>
+                      </a:r>
+                      <a:endParaRPr lang="zh-CN" altLang="en-US" sz="1600" dirty="0"/>
+                    </a:p>
+                  </a:txBody>
+                  <a:tcPr>
+                    <a:solidFill>
+                      <a:srgbClr val="FFC000"/>
+                    </a:solidFill>
+                  </a:tcPr>
+                </a:tc>
+                <a:tc>
+                  <a:txBody>
+                    <a:bodyPr/>
+                    <a:lstStyle/>
+                    <a:p>
+                      <a:r>
+                        <a:rPr lang="en-US" altLang="zh-CN" sz="1600" dirty="0"/>
+                        <a:t>1</a:t>
+                      </a:r>
+                      <a:endParaRPr lang="zh-CN" altLang="en-US" sz="1600" dirty="0"/>
+                    </a:p>
+                  </a:txBody>
+                  <a:tcPr>
+                    <a:solidFill>
+                      <a:srgbClr val="FFC000"/>
+                    </a:solidFill>
+                  </a:tcPr>
+                </a:tc>
+                <a:extLst>
+                  <a:ext uri="{0D108BD9-81ED-4DB2-BD59-A6C34878D82A}">
+                    <a16:rowId xmlns:a16="http://schemas.microsoft.com/office/drawing/2014/main" val="3537842144"/>
                   </a:ext>
                 </a:extLst>
               </a:tr>
@@ -12206,13 +12436,13 @@
           <p:nvPr>
             <p:extLst>
               <p:ext uri="{D42A27DB-BD31-4B8C-83A1-F6EECF244321}">
-                <p14:modId xmlns:p14="http://schemas.microsoft.com/office/powerpoint/2010/main" val="2101470418"/>
+                <p14:modId xmlns:p14="http://schemas.microsoft.com/office/powerpoint/2010/main" val="789114928"/>
               </p:ext>
             </p:extLst>
           </p:nvPr>
         </p:nvGraphicFramePr>
         <p:xfrm>
-          <a:off x="6190094" y="2153108"/>
+          <a:off x="166847" y="2559132"/>
           <a:ext cx="5837325" cy="2230120"/>
         </p:xfrm>
         <a:graphic>

--- a/doc/SoftwareDesign/NetworkController/SwitchCentricOFRouter.pptx
+++ b/doc/SoftwareDesign/NetworkController/SwitchCentricOFRouter.pptx
@@ -271,7 +271,7 @@
           <a:p>
             <a:fld id="{D071C3B5-86A2-44CC-9BB1-43A4D096BA0E}" type="datetimeFigureOut">
               <a:rPr lang="zh-CN" altLang="en-US" smtClean="0"/>
-              <a:t>2020/8/17</a:t>
+              <a:t>2020/8/29</a:t>
             </a:fld>
             <a:endParaRPr lang="zh-CN" altLang="en-US"/>
           </a:p>
@@ -469,7 +469,7 @@
           <a:p>
             <a:fld id="{D071C3B5-86A2-44CC-9BB1-43A4D096BA0E}" type="datetimeFigureOut">
               <a:rPr lang="zh-CN" altLang="en-US" smtClean="0"/>
-              <a:t>2020/8/17</a:t>
+              <a:t>2020/8/29</a:t>
             </a:fld>
             <a:endParaRPr lang="zh-CN" altLang="en-US"/>
           </a:p>
@@ -677,7 +677,7 @@
           <a:p>
             <a:fld id="{D071C3B5-86A2-44CC-9BB1-43A4D096BA0E}" type="datetimeFigureOut">
               <a:rPr lang="zh-CN" altLang="en-US" smtClean="0"/>
-              <a:t>2020/8/17</a:t>
+              <a:t>2020/8/29</a:t>
             </a:fld>
             <a:endParaRPr lang="zh-CN" altLang="en-US"/>
           </a:p>
@@ -875,7 +875,7 @@
           <a:p>
             <a:fld id="{D071C3B5-86A2-44CC-9BB1-43A4D096BA0E}" type="datetimeFigureOut">
               <a:rPr lang="zh-CN" altLang="en-US" smtClean="0"/>
-              <a:t>2020/8/17</a:t>
+              <a:t>2020/8/29</a:t>
             </a:fld>
             <a:endParaRPr lang="zh-CN" altLang="en-US"/>
           </a:p>
@@ -1150,7 +1150,7 @@
           <a:p>
             <a:fld id="{D071C3B5-86A2-44CC-9BB1-43A4D096BA0E}" type="datetimeFigureOut">
               <a:rPr lang="zh-CN" altLang="en-US" smtClean="0"/>
-              <a:t>2020/8/17</a:t>
+              <a:t>2020/8/29</a:t>
             </a:fld>
             <a:endParaRPr lang="zh-CN" altLang="en-US"/>
           </a:p>
@@ -1415,7 +1415,7 @@
           <a:p>
             <a:fld id="{D071C3B5-86A2-44CC-9BB1-43A4D096BA0E}" type="datetimeFigureOut">
               <a:rPr lang="zh-CN" altLang="en-US" smtClean="0"/>
-              <a:t>2020/8/17</a:t>
+              <a:t>2020/8/29</a:t>
             </a:fld>
             <a:endParaRPr lang="zh-CN" altLang="en-US"/>
           </a:p>
@@ -1827,7 +1827,7 @@
           <a:p>
             <a:fld id="{D071C3B5-86A2-44CC-9BB1-43A4D096BA0E}" type="datetimeFigureOut">
               <a:rPr lang="zh-CN" altLang="en-US" smtClean="0"/>
-              <a:t>2020/8/17</a:t>
+              <a:t>2020/8/29</a:t>
             </a:fld>
             <a:endParaRPr lang="zh-CN" altLang="en-US"/>
           </a:p>
@@ -1968,7 +1968,7 @@
           <a:p>
             <a:fld id="{D071C3B5-86A2-44CC-9BB1-43A4D096BA0E}" type="datetimeFigureOut">
               <a:rPr lang="zh-CN" altLang="en-US" smtClean="0"/>
-              <a:t>2020/8/17</a:t>
+              <a:t>2020/8/29</a:t>
             </a:fld>
             <a:endParaRPr lang="zh-CN" altLang="en-US"/>
           </a:p>
@@ -2081,7 +2081,7 @@
           <a:p>
             <a:fld id="{D071C3B5-86A2-44CC-9BB1-43A4D096BA0E}" type="datetimeFigureOut">
               <a:rPr lang="zh-CN" altLang="en-US" smtClean="0"/>
-              <a:t>2020/8/17</a:t>
+              <a:t>2020/8/29</a:t>
             </a:fld>
             <a:endParaRPr lang="zh-CN" altLang="en-US"/>
           </a:p>
@@ -2392,7 +2392,7 @@
           <a:p>
             <a:fld id="{D071C3B5-86A2-44CC-9BB1-43A4D096BA0E}" type="datetimeFigureOut">
               <a:rPr lang="zh-CN" altLang="en-US" smtClean="0"/>
-              <a:t>2020/8/17</a:t>
+              <a:t>2020/8/29</a:t>
             </a:fld>
             <a:endParaRPr lang="zh-CN" altLang="en-US"/>
           </a:p>
@@ -2680,7 +2680,7 @@
           <a:p>
             <a:fld id="{D071C3B5-86A2-44CC-9BB1-43A4D096BA0E}" type="datetimeFigureOut">
               <a:rPr lang="zh-CN" altLang="en-US" smtClean="0"/>
-              <a:t>2020/8/17</a:t>
+              <a:t>2020/8/29</a:t>
             </a:fld>
             <a:endParaRPr lang="zh-CN" altLang="en-US"/>
           </a:p>
@@ -2921,7 +2921,7 @@
           <a:p>
             <a:fld id="{D071C3B5-86A2-44CC-9BB1-43A4D096BA0E}" type="datetimeFigureOut">
               <a:rPr lang="zh-CN" altLang="en-US" smtClean="0"/>
-              <a:t>2020/8/17</a:t>
+              <a:t>2020/8/29</a:t>
             </a:fld>
             <a:endParaRPr lang="zh-CN" altLang="en-US"/>
           </a:p>
@@ -8357,7 +8357,7 @@
           <p:nvPr>
             <p:extLst>
               <p:ext uri="{D42A27DB-BD31-4B8C-83A1-F6EECF244321}">
-                <p14:modId xmlns:p14="http://schemas.microsoft.com/office/powerpoint/2010/main" val="561570597"/>
+                <p14:modId xmlns:p14="http://schemas.microsoft.com/office/powerpoint/2010/main" val="119128221"/>
               </p:ext>
             </p:extLst>
           </p:nvPr>
@@ -8636,19 +8636,15 @@
                     </a:p>
                     <a:p>
                       <a:r>
-                        <a:rPr lang="en-US" altLang="zh-CN" sz="1600" dirty="0" err="1"/>
-                        <a:t>etherType</a:t>
-                      </a:r>
-                      <a:r>
-                        <a:rPr lang="en-US" altLang="zh-CN" sz="1600" dirty="0"/>
-                        <a:t>=VLAN</a:t>
+                        <a:rPr lang="en-US" altLang="zh-CN" sz="1600"/>
+                        <a:t>VLANTag</a:t>
                       </a:r>
                       <a:endParaRPr lang="zh-CN" altLang="en-US" sz="1600" dirty="0"/>
                     </a:p>
                   </a:txBody>
                   <a:tcPr>
                     <a:solidFill>
-                      <a:schemeClr val="accent2"/>
+                      <a:srgbClr val="00B0F0"/>
                     </a:solidFill>
                   </a:tcPr>
                 </a:tc>
@@ -8683,7 +8679,7 @@
                   </a:txBody>
                   <a:tcPr>
                     <a:solidFill>
-                      <a:schemeClr val="accent2"/>
+                      <a:srgbClr val="00B0F0"/>
                     </a:solidFill>
                   </a:tcPr>
                 </a:tc>
@@ -8701,7 +8697,7 @@
                   </a:txBody>
                   <a:tcPr>
                     <a:solidFill>
-                      <a:schemeClr val="accent2"/>
+                      <a:srgbClr val="00B0F0"/>
                     </a:solidFill>
                   </a:tcPr>
                 </a:tc>
@@ -8791,13 +8787,13 @@
           <p:nvPr>
             <p:extLst>
               <p:ext uri="{D42A27DB-BD31-4B8C-83A1-F6EECF244321}">
-                <p14:modId xmlns:p14="http://schemas.microsoft.com/office/powerpoint/2010/main" val="2859377025"/>
+                <p14:modId xmlns:p14="http://schemas.microsoft.com/office/powerpoint/2010/main" val="3968584673"/>
               </p:ext>
             </p:extLst>
           </p:nvPr>
         </p:nvGraphicFramePr>
         <p:xfrm>
-          <a:off x="6285720" y="3102747"/>
+          <a:off x="6285720" y="3082925"/>
           <a:ext cx="5572202" cy="3416112"/>
         </p:xfrm>
         <a:graphic>
@@ -8870,7 +8866,7 @@
                   </a:ext>
                 </a:extLst>
               </a:tr>
-              <a:tr h="185420">
+              <a:tr h="298752">
                 <a:tc>
                   <a:txBody>
                     <a:bodyPr/>
@@ -9643,7 +9639,7 @@
         </p:nvSpPr>
         <p:spPr>
           <a:xfrm>
-            <a:off x="3300042" y="3951243"/>
+            <a:off x="3489762" y="4128797"/>
             <a:ext cx="2795958" cy="369332"/>
           </a:xfrm>
           <a:prstGeom prst="rect">
@@ -9687,7 +9683,7 @@
         </p:nvSpPr>
         <p:spPr>
           <a:xfrm>
-            <a:off x="4479852" y="1909047"/>
+            <a:off x="4524957" y="2093317"/>
             <a:ext cx="1616148" cy="369332"/>
           </a:xfrm>
           <a:prstGeom prst="rect">
@@ -11359,13 +11355,13 @@
           <p:nvPr>
             <p:extLst>
               <p:ext uri="{D42A27DB-BD31-4B8C-83A1-F6EECF244321}">
-                <p14:modId xmlns:p14="http://schemas.microsoft.com/office/powerpoint/2010/main" val="3050319317"/>
+                <p14:modId xmlns:p14="http://schemas.microsoft.com/office/powerpoint/2010/main" val="1856006689"/>
               </p:ext>
             </p:extLst>
           </p:nvPr>
         </p:nvGraphicFramePr>
         <p:xfrm>
-          <a:off x="6205615" y="4709353"/>
+          <a:off x="6187829" y="3920659"/>
           <a:ext cx="5828432" cy="2113280"/>
         </p:xfrm>
         <a:graphic>
@@ -11405,7 +11401,7 @@
                     <a:p>
                       <a:r>
                         <a:rPr lang="en-US" altLang="zh-CN" dirty="0"/>
-                        <a:t>Flow Table 6 – L2_TABLE</a:t>
+                        <a:t>Flow Table 7 – L2_TABLE</a:t>
                       </a:r>
                       <a:endParaRPr lang="zh-CN" altLang="en-US" dirty="0"/>
                     </a:p>
@@ -11860,7 +11856,7 @@
         </p:nvSpPr>
         <p:spPr>
           <a:xfrm>
-            <a:off x="2601625" y="6092359"/>
+            <a:off x="6676132" y="5832087"/>
             <a:ext cx="3659976" cy="646331"/>
           </a:xfrm>
           <a:prstGeom prst="rect">
@@ -11931,13 +11927,13 @@
           <p:nvPr>
             <p:extLst>
               <p:ext uri="{D42A27DB-BD31-4B8C-83A1-F6EECF244321}">
-                <p14:modId xmlns:p14="http://schemas.microsoft.com/office/powerpoint/2010/main" val="2124260625"/>
+                <p14:modId xmlns:p14="http://schemas.microsoft.com/office/powerpoint/2010/main" val="3410294319"/>
               </p:ext>
             </p:extLst>
           </p:nvPr>
         </p:nvGraphicFramePr>
         <p:xfrm>
-          <a:off x="6187829" y="119310"/>
+          <a:off x="6178936" y="886898"/>
           <a:ext cx="5837325" cy="2636520"/>
         </p:xfrm>
         <a:graphic>
@@ -11977,11 +11973,7 @@
                     <a:p>
                       <a:r>
                         <a:rPr lang="en-US" altLang="zh-CN" dirty="0"/>
-                        <a:t>Flow Table 4 – UFFR_TABLE/</a:t>
-                      </a:r>
-                      <a:r>
-                        <a:rPr lang="en-US" altLang="zh-CN" dirty="0" err="1"/>
-                        <a:t>NotVia_TABLE</a:t>
+                        <a:t>Flow Table 6 – UFFR_TABLE</a:t>
                       </a:r>
                       <a:endParaRPr lang="zh-CN" altLang="en-US" dirty="0"/>
                     </a:p>
@@ -12316,12 +12308,8 @@
                     </a:p>
                     <a:p>
                       <a:r>
-                        <a:rPr lang="en-US" altLang="zh-CN" sz="1600" dirty="0" err="1"/>
-                        <a:t>Outport</a:t>
-                      </a:r>
-                      <a:r>
                         <a:rPr lang="en-US" altLang="zh-CN" sz="1600" dirty="0"/>
-                        <a:t> 3</a:t>
+                        <a:t>GOTO L2_TABLE</a:t>
                       </a:r>
                       <a:endParaRPr lang="zh-CN" altLang="en-US" sz="1600" dirty="0"/>
                     </a:p>
@@ -12436,13 +12424,13 @@
           <p:nvPr>
             <p:extLst>
               <p:ext uri="{D42A27DB-BD31-4B8C-83A1-F6EECF244321}">
-                <p14:modId xmlns:p14="http://schemas.microsoft.com/office/powerpoint/2010/main" val="789114928"/>
+                <p14:modId xmlns:p14="http://schemas.microsoft.com/office/powerpoint/2010/main" val="1115156237"/>
               </p:ext>
             </p:extLst>
           </p:nvPr>
         </p:nvGraphicFramePr>
         <p:xfrm>
-          <a:off x="166847" y="2559132"/>
+          <a:off x="175740" y="1538749"/>
           <a:ext cx="5837325" cy="2230120"/>
         </p:xfrm>
         <a:graphic>
@@ -12482,7 +12470,7 @@
                     <a:p>
                       <a:r>
                         <a:rPr lang="en-US" altLang="zh-CN" dirty="0"/>
-                        <a:t>Flow Table 5 – VLAN_TABLE</a:t>
+                        <a:t>Flow Table 4 – VLAN_TABLE</a:t>
                       </a:r>
                       <a:endParaRPr lang="zh-CN" altLang="en-US" dirty="0"/>
                     </a:p>
@@ -12515,7 +12503,7 @@
                   </a:ext>
                 </a:extLst>
               </a:tr>
-              <a:tr h="185420">
+              <a:tr h="289885">
                 <a:tc>
                   <a:txBody>
                     <a:bodyPr/>
@@ -12738,12 +12726,8 @@
                     <a:lstStyle/>
                     <a:p>
                       <a:r>
-                        <a:rPr lang="en-US" altLang="zh-CN" sz="1600" dirty="0"/>
-                        <a:t>set-field: </a:t>
-                      </a:r>
-                      <a:r>
                         <a:rPr lang="en-US" altLang="zh-CN" sz="1600" dirty="0" err="1"/>
-                        <a:t>srcdstmac</a:t>
+                        <a:t>PopVLAN</a:t>
                       </a:r>
                       <a:r>
                         <a:rPr lang="en-US" altLang="zh-CN" sz="1600" dirty="0"/>
@@ -12753,7 +12737,410 @@
                     <a:p>
                       <a:r>
                         <a:rPr lang="en-US" altLang="zh-CN" sz="1600" dirty="0"/>
-                        <a:t>GOTO L2_TABLE</a:t>
+                        <a:t>GOTO </a:t>
+                      </a:r>
+                      <a:r>
+                        <a:rPr lang="en-US" altLang="zh-CN" sz="1600" dirty="0" err="1"/>
+                        <a:t>NotVia_TABLE</a:t>
+                      </a:r>
+                      <a:endParaRPr lang="zh-CN" altLang="en-US" sz="1600" dirty="0"/>
+                    </a:p>
+                  </a:txBody>
+                  <a:tcPr>
+                    <a:solidFill>
+                      <a:schemeClr val="accent2"/>
+                    </a:solidFill>
+                  </a:tcPr>
+                </a:tc>
+                <a:tc>
+                  <a:txBody>
+                    <a:bodyPr/>
+                    <a:lstStyle/>
+                    <a:p>
+                      <a:r>
+                        <a:rPr lang="en-US" altLang="zh-CN" sz="1600" dirty="0"/>
+                        <a:t>1</a:t>
+                      </a:r>
+                      <a:endParaRPr lang="zh-CN" altLang="en-US" sz="1600" dirty="0"/>
+                    </a:p>
+                  </a:txBody>
+                  <a:tcPr>
+                    <a:solidFill>
+                      <a:schemeClr val="accent2"/>
+                    </a:solidFill>
+                  </a:tcPr>
+                </a:tc>
+                <a:extLst>
+                  <a:ext uri="{0D108BD9-81ED-4DB2-BD59-A6C34878D82A}">
+                    <a16:rowId xmlns:a16="http://schemas.microsoft.com/office/drawing/2014/main" val="4143019681"/>
+                  </a:ext>
+                </a:extLst>
+              </a:tr>
+              <a:tr h="370840">
+                <a:tc>
+                  <a:txBody>
+                    <a:bodyPr/>
+                    <a:lstStyle/>
+                    <a:p>
+                      <a:r>
+                        <a:rPr lang="en-US" altLang="zh-CN" sz="1600" dirty="0"/>
+                        <a:t>Table-miss</a:t>
+                      </a:r>
+                      <a:endParaRPr lang="zh-CN" altLang="en-US" sz="1600" dirty="0"/>
+                    </a:p>
+                  </a:txBody>
+                  <a:tcPr>
+                    <a:solidFill>
+                      <a:schemeClr val="accent2"/>
+                    </a:solidFill>
+                  </a:tcPr>
+                </a:tc>
+                <a:tc>
+                  <a:txBody>
+                    <a:bodyPr/>
+                    <a:lstStyle/>
+                    <a:p>
+                      <a:r>
+                        <a:rPr lang="en-US" altLang="zh-CN" sz="1600" dirty="0"/>
+                        <a:t>PACKET_IN</a:t>
+                      </a:r>
+                      <a:endParaRPr lang="zh-CN" altLang="en-US" sz="1600" dirty="0"/>
+                    </a:p>
+                  </a:txBody>
+                  <a:tcPr>
+                    <a:solidFill>
+                      <a:schemeClr val="accent2"/>
+                    </a:solidFill>
+                  </a:tcPr>
+                </a:tc>
+                <a:tc>
+                  <a:txBody>
+                    <a:bodyPr/>
+                    <a:lstStyle/>
+                    <a:p>
+                      <a:r>
+                        <a:rPr lang="en-US" altLang="zh-CN" sz="1600" dirty="0"/>
+                        <a:t>0</a:t>
+                      </a:r>
+                      <a:endParaRPr lang="zh-CN" altLang="en-US" sz="1600" dirty="0"/>
+                    </a:p>
+                  </a:txBody>
+                  <a:tcPr>
+                    <a:solidFill>
+                      <a:schemeClr val="accent2"/>
+                    </a:solidFill>
+                  </a:tcPr>
+                </a:tc>
+                <a:extLst>
+                  <a:ext uri="{0D108BD9-81ED-4DB2-BD59-A6C34878D82A}">
+                    <a16:rowId xmlns:a16="http://schemas.microsoft.com/office/drawing/2014/main" val="1796121584"/>
+                  </a:ext>
+                </a:extLst>
+              </a:tr>
+            </a:tbl>
+          </a:graphicData>
+        </a:graphic>
+      </p:graphicFrame>
+      <p:graphicFrame>
+        <p:nvGraphicFramePr>
+          <p:cNvPr id="12" name="表格 6">
+            <a:extLst>
+              <a:ext uri="{FF2B5EF4-FFF2-40B4-BE49-F238E27FC236}">
+                <a16:creationId xmlns:a16="http://schemas.microsoft.com/office/drawing/2014/main" id="{4EB35203-5930-4B34-87BA-4F3A3E784770}"/>
+              </a:ext>
+            </a:extLst>
+          </p:cNvPr>
+          <p:cNvGraphicFramePr>
+            <a:graphicFrameLocks noGrp="1"/>
+          </p:cNvGraphicFramePr>
+          <p:nvPr>
+            <p:extLst>
+              <p:ext uri="{D42A27DB-BD31-4B8C-83A1-F6EECF244321}">
+                <p14:modId xmlns:p14="http://schemas.microsoft.com/office/powerpoint/2010/main" val="3574611614"/>
+              </p:ext>
+            </p:extLst>
+          </p:nvPr>
+        </p:nvGraphicFramePr>
+        <p:xfrm>
+          <a:off x="175740" y="4220379"/>
+          <a:ext cx="5837325" cy="1813560"/>
+        </p:xfrm>
+        <a:graphic>
+          <a:graphicData uri="http://schemas.openxmlformats.org/drawingml/2006/table">
+            <a:tbl>
+              <a:tblPr firstRow="1" bandRow="1">
+                <a:tableStyleId>{5C22544A-7EE6-4342-B048-85BDC9FD1C3A}</a:tableStyleId>
+              </a:tblPr>
+              <a:tblGrid>
+                <a:gridCol w="2701565">
+                  <a:extLst>
+                    <a:ext uri="{9D8B030D-6E8A-4147-A177-3AD203B41FA5}">
+                      <a16:colId xmlns:a16="http://schemas.microsoft.com/office/drawing/2014/main" val="2457041268"/>
+                    </a:ext>
+                  </a:extLst>
+                </a:gridCol>
+                <a:gridCol w="2047106">
+                  <a:extLst>
+                    <a:ext uri="{9D8B030D-6E8A-4147-A177-3AD203B41FA5}">
+                      <a16:colId xmlns:a16="http://schemas.microsoft.com/office/drawing/2014/main" val="2432146045"/>
+                    </a:ext>
+                  </a:extLst>
+                </a:gridCol>
+                <a:gridCol w="1088654">
+                  <a:extLst>
+                    <a:ext uri="{9D8B030D-6E8A-4147-A177-3AD203B41FA5}">
+                      <a16:colId xmlns:a16="http://schemas.microsoft.com/office/drawing/2014/main" val="2553256413"/>
+                    </a:ext>
+                  </a:extLst>
+                </a:gridCol>
+              </a:tblGrid>
+              <a:tr h="185420">
+                <a:tc gridSpan="3">
+                  <a:txBody>
+                    <a:bodyPr/>
+                    <a:lstStyle/>
+                    <a:p>
+                      <a:r>
+                        <a:rPr lang="en-US" altLang="zh-CN" dirty="0"/>
+                        <a:t>Flow Table 5 –</a:t>
+                      </a:r>
+                      <a:r>
+                        <a:rPr lang="en-US" altLang="zh-CN" dirty="0" err="1"/>
+                        <a:t>NotVia_TABLE</a:t>
+                      </a:r>
+                      <a:endParaRPr lang="zh-CN" altLang="en-US" dirty="0"/>
+                    </a:p>
+                  </a:txBody>
+                  <a:tcPr/>
+                </a:tc>
+                <a:tc hMerge="1">
+                  <a:txBody>
+                    <a:bodyPr/>
+                    <a:lstStyle/>
+                    <a:p>
+                      <a:endParaRPr lang="zh-CN" altLang="en-US" dirty="0"/>
+                    </a:p>
+                  </a:txBody>
+                  <a:tcPr/>
+                </a:tc>
+                <a:tc hMerge="1">
+                  <a:txBody>
+                    <a:bodyPr/>
+                    <a:lstStyle/>
+                    <a:p>
+                      <a:endParaRPr lang="zh-CN" altLang="en-US" dirty="0"/>
+                    </a:p>
+                  </a:txBody>
+                  <a:tcPr/>
+                </a:tc>
+                <a:extLst>
+                  <a:ext uri="{0D108BD9-81ED-4DB2-BD59-A6C34878D82A}">
+                    <a16:rowId xmlns:a16="http://schemas.microsoft.com/office/drawing/2014/main" val="2707727658"/>
+                  </a:ext>
+                </a:extLst>
+              </a:tr>
+              <a:tr h="185420">
+                <a:tc>
+                  <a:txBody>
+                    <a:bodyPr/>
+                    <a:lstStyle/>
+                    <a:p>
+                      <a:pPr marL="0" algn="l" defTabSz="914400" rtl="0" eaLnBrk="1" latinLnBrk="0" hangingPunct="1"/>
+                      <a:r>
+                        <a:rPr lang="en-US" altLang="zh-CN" sz="1600" b="1" kern="1200" dirty="0">
+                          <a:solidFill>
+                            <a:schemeClr val="lt1"/>
+                          </a:solidFill>
+                          <a:latin typeface="+mn-lt"/>
+                          <a:ea typeface="+mn-ea"/>
+                          <a:cs typeface="+mn-cs"/>
+                        </a:rPr>
+                        <a:t>Match</a:t>
+                      </a:r>
+                      <a:endParaRPr lang="zh-CN" altLang="en-US" sz="1600" b="1" kern="1200" dirty="0">
+                        <a:solidFill>
+                          <a:schemeClr val="lt1"/>
+                        </a:solidFill>
+                        <a:latin typeface="+mn-lt"/>
+                        <a:ea typeface="+mn-ea"/>
+                        <a:cs typeface="+mn-cs"/>
+                      </a:endParaRPr>
+                    </a:p>
+                  </a:txBody>
+                  <a:tcPr>
+                    <a:solidFill>
+                      <a:schemeClr val="accent1"/>
+                    </a:solidFill>
+                  </a:tcPr>
+                </a:tc>
+                <a:tc>
+                  <a:txBody>
+                    <a:bodyPr/>
+                    <a:lstStyle/>
+                    <a:p>
+                      <a:pPr marL="0" algn="l" defTabSz="914400" rtl="0" eaLnBrk="1" latinLnBrk="0" hangingPunct="1"/>
+                      <a:r>
+                        <a:rPr lang="en-US" altLang="zh-CN" sz="1600" b="1" kern="1200" dirty="0">
+                          <a:solidFill>
+                            <a:schemeClr val="lt1"/>
+                          </a:solidFill>
+                          <a:latin typeface="+mn-lt"/>
+                          <a:ea typeface="+mn-ea"/>
+                          <a:cs typeface="+mn-cs"/>
+                        </a:rPr>
+                        <a:t>Instructions</a:t>
+                      </a:r>
+                      <a:endParaRPr lang="zh-CN" altLang="en-US" sz="1600" b="1" kern="1200" dirty="0">
+                        <a:solidFill>
+                          <a:schemeClr val="lt1"/>
+                        </a:solidFill>
+                        <a:latin typeface="+mn-lt"/>
+                        <a:ea typeface="+mn-ea"/>
+                        <a:cs typeface="+mn-cs"/>
+                      </a:endParaRPr>
+                    </a:p>
+                  </a:txBody>
+                  <a:tcPr>
+                    <a:solidFill>
+                      <a:schemeClr val="accent1"/>
+                    </a:solidFill>
+                  </a:tcPr>
+                </a:tc>
+                <a:tc>
+                  <a:txBody>
+                    <a:bodyPr/>
+                    <a:lstStyle/>
+                    <a:p>
+                      <a:pPr marL="0" algn="l" defTabSz="914400" rtl="0" eaLnBrk="1" latinLnBrk="0" hangingPunct="1"/>
+                      <a:r>
+                        <a:rPr lang="en-US" altLang="zh-CN" sz="1600" b="1" kern="1200" dirty="0">
+                          <a:solidFill>
+                            <a:schemeClr val="lt1"/>
+                          </a:solidFill>
+                          <a:latin typeface="+mn-lt"/>
+                          <a:ea typeface="+mn-ea"/>
+                          <a:cs typeface="+mn-cs"/>
+                        </a:rPr>
+                        <a:t>Priority</a:t>
+                      </a:r>
+                      <a:endParaRPr lang="zh-CN" altLang="en-US" sz="1600" b="1" kern="1200" dirty="0">
+                        <a:solidFill>
+                          <a:schemeClr val="lt1"/>
+                        </a:solidFill>
+                        <a:latin typeface="+mn-lt"/>
+                        <a:ea typeface="+mn-ea"/>
+                        <a:cs typeface="+mn-cs"/>
+                      </a:endParaRPr>
+                    </a:p>
+                  </a:txBody>
+                  <a:tcPr>
+                    <a:solidFill>
+                      <a:schemeClr val="accent1"/>
+                    </a:solidFill>
+                  </a:tcPr>
+                </a:tc>
+                <a:extLst>
+                  <a:ext uri="{0D108BD9-81ED-4DB2-BD59-A6C34878D82A}">
+                    <a16:rowId xmlns:a16="http://schemas.microsoft.com/office/drawing/2014/main" val="3934014478"/>
+                  </a:ext>
+                </a:extLst>
+              </a:tr>
+              <a:tr h="370840">
+                <a:tc>
+                  <a:txBody>
+                    <a:bodyPr/>
+                    <a:lstStyle/>
+                    <a:p>
+                      <a:r>
+                        <a:rPr lang="en-US" altLang="zh-CN" sz="1600" dirty="0" err="1"/>
+                        <a:t>dstIP</a:t>
+                      </a:r>
+                      <a:r>
+                        <a:rPr lang="en-US" altLang="zh-CN" sz="1600" dirty="0"/>
+                        <a:t>=10.1.1.1/32</a:t>
+                      </a:r>
+                      <a:endParaRPr lang="zh-CN" altLang="en-US" sz="1600" dirty="0"/>
+                    </a:p>
+                  </a:txBody>
+                  <a:tcPr>
+                    <a:solidFill>
+                      <a:schemeClr val="accent2"/>
+                    </a:solidFill>
+                  </a:tcPr>
+                </a:tc>
+                <a:tc>
+                  <a:txBody>
+                    <a:bodyPr/>
+                    <a:lstStyle/>
+                    <a:p>
+                      <a:r>
+                        <a:rPr lang="en-US" altLang="zh-CN" sz="1600" dirty="0"/>
+                        <a:t>Group 1</a:t>
+                      </a:r>
+                      <a:endParaRPr lang="zh-CN" altLang="en-US" sz="1600" dirty="0"/>
+                    </a:p>
+                  </a:txBody>
+                  <a:tcPr>
+                    <a:solidFill>
+                      <a:schemeClr val="accent2"/>
+                    </a:solidFill>
+                  </a:tcPr>
+                </a:tc>
+                <a:tc>
+                  <a:txBody>
+                    <a:bodyPr/>
+                    <a:lstStyle/>
+                    <a:p>
+                      <a:r>
+                        <a:rPr lang="en-US" altLang="zh-CN" sz="1600" dirty="0"/>
+                        <a:t>1</a:t>
+                      </a:r>
+                      <a:endParaRPr lang="zh-CN" altLang="en-US" sz="1600" dirty="0"/>
+                    </a:p>
+                  </a:txBody>
+                  <a:tcPr>
+                    <a:solidFill>
+                      <a:schemeClr val="accent2"/>
+                    </a:solidFill>
+                  </a:tcPr>
+                </a:tc>
+                <a:extLst>
+                  <a:ext uri="{0D108BD9-81ED-4DB2-BD59-A6C34878D82A}">
+                    <a16:rowId xmlns:a16="http://schemas.microsoft.com/office/drawing/2014/main" val="2915451844"/>
+                  </a:ext>
+                </a:extLst>
+              </a:tr>
+              <a:tr h="370840">
+                <a:tc>
+                  <a:txBody>
+                    <a:bodyPr/>
+                    <a:lstStyle/>
+                    <a:p>
+                      <a:r>
+                        <a:rPr lang="en-US" altLang="zh-CN" sz="1600" dirty="0" err="1"/>
+                        <a:t>dstIP</a:t>
+                      </a:r>
+                      <a:r>
+                        <a:rPr lang="en-US" altLang="zh-CN" sz="1600" dirty="0"/>
+                        <a:t>=10.1.2.1/32</a:t>
+                      </a:r>
+                      <a:endParaRPr lang="zh-CN" altLang="en-US" sz="1600" dirty="0"/>
+                    </a:p>
+                  </a:txBody>
+                  <a:tcPr>
+                    <a:solidFill>
+                      <a:schemeClr val="accent2"/>
+                    </a:solidFill>
+                  </a:tcPr>
+                </a:tc>
+                <a:tc>
+                  <a:txBody>
+                    <a:bodyPr/>
+                    <a:lstStyle/>
+                    <a:p>
+                      <a:r>
+                        <a:rPr lang="en-US" altLang="zh-CN" sz="1600" dirty="0"/>
+                        <a:t>Group 2</a:t>
                       </a:r>
                       <a:endParaRPr lang="zh-CN" altLang="en-US" sz="1600" dirty="0"/>
                     </a:p>
@@ -12934,6 +13321,730 @@
         </p:blipFill>
         <p:spPr>
           <a:xfrm>
+            <a:off x="3344153" y="1235610"/>
+            <a:ext cx="5503693" cy="2269699"/>
+          </a:xfrm>
+          <a:prstGeom prst="rect">
+            <a:avLst/>
+          </a:prstGeom>
+        </p:spPr>
+      </p:pic>
+      <p:graphicFrame>
+        <p:nvGraphicFramePr>
+          <p:cNvPr id="16" name="表格 6">
+            <a:extLst>
+              <a:ext uri="{FF2B5EF4-FFF2-40B4-BE49-F238E27FC236}">
+                <a16:creationId xmlns:a16="http://schemas.microsoft.com/office/drawing/2014/main" id="{04DB1190-8EC9-4875-B5F9-7E4CF80FE9FC}"/>
+              </a:ext>
+            </a:extLst>
+          </p:cNvPr>
+          <p:cNvGraphicFramePr>
+            <a:graphicFrameLocks noGrp="1"/>
+          </p:cNvGraphicFramePr>
+          <p:nvPr>
+            <p:extLst>
+              <p:ext uri="{D42A27DB-BD31-4B8C-83A1-F6EECF244321}">
+                <p14:modId xmlns:p14="http://schemas.microsoft.com/office/powerpoint/2010/main" val="3273335894"/>
+              </p:ext>
+            </p:extLst>
+          </p:nvPr>
+        </p:nvGraphicFramePr>
+        <p:xfrm>
+          <a:off x="2325142" y="3505309"/>
+          <a:ext cx="7541714" cy="3293401"/>
+        </p:xfrm>
+        <a:graphic>
+          <a:graphicData uri="http://schemas.openxmlformats.org/drawingml/2006/table">
+            <a:tbl>
+              <a:tblPr firstRow="1" bandRow="1">
+                <a:tableStyleId>{5C22544A-7EE6-4342-B048-85BDC9FD1C3A}</a:tableStyleId>
+              </a:tblPr>
+              <a:tblGrid>
+                <a:gridCol w="1352196">
+                  <a:extLst>
+                    <a:ext uri="{9D8B030D-6E8A-4147-A177-3AD203B41FA5}">
+                      <a16:colId xmlns:a16="http://schemas.microsoft.com/office/drawing/2014/main" val="2457041268"/>
+                    </a:ext>
+                  </a:extLst>
+                </a:gridCol>
+                <a:gridCol w="1711810">
+                  <a:extLst>
+                    <a:ext uri="{9D8B030D-6E8A-4147-A177-3AD203B41FA5}">
+                      <a16:colId xmlns:a16="http://schemas.microsoft.com/office/drawing/2014/main" val="2432146045"/>
+                    </a:ext>
+                  </a:extLst>
+                </a:gridCol>
+                <a:gridCol w="2502604">
+                  <a:extLst>
+                    <a:ext uri="{9D8B030D-6E8A-4147-A177-3AD203B41FA5}">
+                      <a16:colId xmlns:a16="http://schemas.microsoft.com/office/drawing/2014/main" val="2553256413"/>
+                    </a:ext>
+                  </a:extLst>
+                </a:gridCol>
+                <a:gridCol w="1975104">
+                  <a:extLst>
+                    <a:ext uri="{9D8B030D-6E8A-4147-A177-3AD203B41FA5}">
+                      <a16:colId xmlns:a16="http://schemas.microsoft.com/office/drawing/2014/main" val="1698075274"/>
+                    </a:ext>
+                  </a:extLst>
+                </a:gridCol>
+              </a:tblGrid>
+              <a:tr h="409341">
+                <a:tc gridSpan="4">
+                  <a:txBody>
+                    <a:bodyPr/>
+                    <a:lstStyle/>
+                    <a:p>
+                      <a:r>
+                        <a:rPr lang="en-US" altLang="zh-CN" dirty="0"/>
+                        <a:t>Group Table</a:t>
+                      </a:r>
+                      <a:endParaRPr lang="zh-CN" altLang="en-US" dirty="0"/>
+                    </a:p>
+                  </a:txBody>
+                  <a:tcPr/>
+                </a:tc>
+                <a:tc hMerge="1">
+                  <a:txBody>
+                    <a:bodyPr/>
+                    <a:lstStyle/>
+                    <a:p>
+                      <a:endParaRPr lang="zh-CN" altLang="en-US" dirty="0"/>
+                    </a:p>
+                  </a:txBody>
+                  <a:tcPr/>
+                </a:tc>
+                <a:tc hMerge="1">
+                  <a:txBody>
+                    <a:bodyPr/>
+                    <a:lstStyle/>
+                    <a:p>
+                      <a:endParaRPr lang="zh-CN" altLang="en-US" dirty="0"/>
+                    </a:p>
+                  </a:txBody>
+                  <a:tcPr/>
+                </a:tc>
+                <a:tc hMerge="1">
+                  <a:txBody>
+                    <a:bodyPr/>
+                    <a:lstStyle/>
+                    <a:p>
+                      <a:endParaRPr lang="zh-CN" altLang="en-US"/>
+                    </a:p>
+                  </a:txBody>
+                  <a:tcPr/>
+                </a:tc>
+                <a:extLst>
+                  <a:ext uri="{0D108BD9-81ED-4DB2-BD59-A6C34878D82A}">
+                    <a16:rowId xmlns:a16="http://schemas.microsoft.com/office/drawing/2014/main" val="2707727658"/>
+                  </a:ext>
+                </a:extLst>
+              </a:tr>
+              <a:tr h="375230">
+                <a:tc rowSpan="2">
+                  <a:txBody>
+                    <a:bodyPr/>
+                    <a:lstStyle/>
+                    <a:p>
+                      <a:pPr marL="0" algn="l" defTabSz="914400" rtl="0" eaLnBrk="1" latinLnBrk="0" hangingPunct="1"/>
+                      <a:r>
+                        <a:rPr lang="en-US" altLang="zh-CN" sz="1600" b="1" kern="1200" dirty="0">
+                          <a:solidFill>
+                            <a:schemeClr val="lt1"/>
+                          </a:solidFill>
+                          <a:latin typeface="+mn-lt"/>
+                          <a:ea typeface="+mn-ea"/>
+                          <a:cs typeface="+mn-cs"/>
+                        </a:rPr>
+                        <a:t>Group Identifier</a:t>
+                      </a:r>
+                      <a:endParaRPr lang="zh-CN" altLang="en-US" sz="1600" b="1" kern="1200" dirty="0">
+                        <a:solidFill>
+                          <a:schemeClr val="lt1"/>
+                        </a:solidFill>
+                        <a:latin typeface="+mn-lt"/>
+                        <a:ea typeface="+mn-ea"/>
+                        <a:cs typeface="+mn-cs"/>
+                      </a:endParaRPr>
+                    </a:p>
+                  </a:txBody>
+                  <a:tcPr>
+                    <a:solidFill>
+                      <a:schemeClr val="accent1"/>
+                    </a:solidFill>
+                  </a:tcPr>
+                </a:tc>
+                <a:tc rowSpan="2">
+                  <a:txBody>
+                    <a:bodyPr/>
+                    <a:lstStyle/>
+                    <a:p>
+                      <a:pPr marL="0" algn="l" defTabSz="914400" rtl="0" eaLnBrk="1" latinLnBrk="0" hangingPunct="1"/>
+                      <a:r>
+                        <a:rPr lang="en-US" altLang="zh-CN" sz="1600" b="1" kern="1200" dirty="0">
+                          <a:solidFill>
+                            <a:schemeClr val="lt1"/>
+                          </a:solidFill>
+                          <a:latin typeface="+mn-lt"/>
+                          <a:ea typeface="+mn-ea"/>
+                          <a:cs typeface="+mn-cs"/>
+                        </a:rPr>
+                        <a:t>Group Type</a:t>
+                      </a:r>
+                      <a:endParaRPr lang="zh-CN" altLang="en-US" sz="1600" b="1" kern="1200" dirty="0">
+                        <a:solidFill>
+                          <a:schemeClr val="lt1"/>
+                        </a:solidFill>
+                        <a:latin typeface="+mn-lt"/>
+                        <a:ea typeface="+mn-ea"/>
+                        <a:cs typeface="+mn-cs"/>
+                      </a:endParaRPr>
+                    </a:p>
+                  </a:txBody>
+                  <a:tcPr>
+                    <a:solidFill>
+                      <a:schemeClr val="accent1"/>
+                    </a:solidFill>
+                  </a:tcPr>
+                </a:tc>
+                <a:tc gridSpan="2">
+                  <a:txBody>
+                    <a:bodyPr/>
+                    <a:lstStyle/>
+                    <a:p>
+                      <a:r>
+                        <a:rPr lang="en-US" altLang="zh-CN" sz="1600" b="1" kern="1200" dirty="0">
+                          <a:solidFill>
+                            <a:schemeClr val="lt1"/>
+                          </a:solidFill>
+                          <a:latin typeface="+mn-lt"/>
+                          <a:ea typeface="+mn-ea"/>
+                          <a:cs typeface="+mn-cs"/>
+                        </a:rPr>
+                        <a:t>Action Buckets</a:t>
+                      </a:r>
+                      <a:endParaRPr lang="zh-CN" altLang="en-US" sz="1600" b="1" kern="1200" dirty="0">
+                        <a:solidFill>
+                          <a:schemeClr val="lt1"/>
+                        </a:solidFill>
+                        <a:latin typeface="+mn-lt"/>
+                        <a:ea typeface="+mn-ea"/>
+                        <a:cs typeface="+mn-cs"/>
+                      </a:endParaRPr>
+                    </a:p>
+                  </a:txBody>
+                  <a:tcPr>
+                    <a:solidFill>
+                      <a:schemeClr val="accent1"/>
+                    </a:solidFill>
+                  </a:tcPr>
+                </a:tc>
+                <a:tc hMerge="1">
+                  <a:txBody>
+                    <a:bodyPr/>
+                    <a:lstStyle/>
+                    <a:p>
+                      <a:endParaRPr lang="zh-CN" altLang="en-US"/>
+                    </a:p>
+                  </a:txBody>
+                  <a:tcPr/>
+                </a:tc>
+                <a:extLst>
+                  <a:ext uri="{0D108BD9-81ED-4DB2-BD59-A6C34878D82A}">
+                    <a16:rowId xmlns:a16="http://schemas.microsoft.com/office/drawing/2014/main" val="252573886"/>
+                  </a:ext>
+                </a:extLst>
+              </a:tr>
+              <a:tr h="375230">
+                <a:tc vMerge="1">
+                  <a:txBody>
+                    <a:bodyPr/>
+                    <a:lstStyle/>
+                    <a:p>
+                      <a:pPr marL="0" algn="l" defTabSz="914400" rtl="0" eaLnBrk="1" latinLnBrk="0" hangingPunct="1"/>
+                      <a:endParaRPr lang="zh-CN" altLang="en-US" sz="1600" b="1" kern="1200" dirty="0">
+                        <a:solidFill>
+                          <a:schemeClr val="lt1"/>
+                        </a:solidFill>
+                        <a:latin typeface="+mn-lt"/>
+                        <a:ea typeface="+mn-ea"/>
+                        <a:cs typeface="+mn-cs"/>
+                      </a:endParaRPr>
+                    </a:p>
+                  </a:txBody>
+                  <a:tcPr>
+                    <a:solidFill>
+                      <a:schemeClr val="accent1"/>
+                    </a:solidFill>
+                  </a:tcPr>
+                </a:tc>
+                <a:tc vMerge="1">
+                  <a:txBody>
+                    <a:bodyPr/>
+                    <a:lstStyle/>
+                    <a:p>
+                      <a:pPr marL="0" algn="l" defTabSz="914400" rtl="0" eaLnBrk="1" latinLnBrk="0" hangingPunct="1"/>
+                      <a:endParaRPr lang="zh-CN" altLang="en-US" sz="1600" b="1" kern="1200" dirty="0">
+                        <a:solidFill>
+                          <a:schemeClr val="lt1"/>
+                        </a:solidFill>
+                        <a:latin typeface="+mn-lt"/>
+                        <a:ea typeface="+mn-ea"/>
+                        <a:cs typeface="+mn-cs"/>
+                      </a:endParaRPr>
+                    </a:p>
+                  </a:txBody>
+                  <a:tcPr>
+                    <a:solidFill>
+                      <a:schemeClr val="accent1"/>
+                    </a:solidFill>
+                  </a:tcPr>
+                </a:tc>
+                <a:tc>
+                  <a:txBody>
+                    <a:bodyPr/>
+                    <a:lstStyle/>
+                    <a:p>
+                      <a:pPr marL="0" algn="l" defTabSz="914400" rtl="0" eaLnBrk="1" latinLnBrk="0" hangingPunct="1"/>
+                      <a:r>
+                        <a:rPr lang="en-US" altLang="zh-CN" sz="1600" b="1" kern="1200" dirty="0">
+                          <a:solidFill>
+                            <a:schemeClr val="lt1"/>
+                          </a:solidFill>
+                          <a:latin typeface="+mn-lt"/>
+                          <a:ea typeface="+mn-ea"/>
+                          <a:cs typeface="+mn-cs"/>
+                        </a:rPr>
+                        <a:t>Bucket 1</a:t>
+                      </a:r>
+                      <a:endParaRPr lang="zh-CN" altLang="en-US" sz="1600" b="1" kern="1200" dirty="0">
+                        <a:solidFill>
+                          <a:schemeClr val="lt1"/>
+                        </a:solidFill>
+                        <a:latin typeface="+mn-lt"/>
+                        <a:ea typeface="+mn-ea"/>
+                        <a:cs typeface="+mn-cs"/>
+                      </a:endParaRPr>
+                    </a:p>
+                  </a:txBody>
+                  <a:tcPr>
+                    <a:solidFill>
+                      <a:schemeClr val="accent1"/>
+                    </a:solidFill>
+                  </a:tcPr>
+                </a:tc>
+                <a:tc>
+                  <a:txBody>
+                    <a:bodyPr/>
+                    <a:lstStyle/>
+                    <a:p>
+                      <a:pPr marL="0" algn="l" defTabSz="914400" rtl="0" eaLnBrk="1" latinLnBrk="0" hangingPunct="1"/>
+                      <a:r>
+                        <a:rPr lang="en-US" altLang="zh-CN" sz="1600" b="1" kern="1200" dirty="0">
+                          <a:solidFill>
+                            <a:schemeClr val="lt1"/>
+                          </a:solidFill>
+                          <a:latin typeface="+mn-lt"/>
+                          <a:ea typeface="+mn-ea"/>
+                          <a:cs typeface="+mn-cs"/>
+                        </a:rPr>
+                        <a:t>Bucket 2</a:t>
+                      </a:r>
+                      <a:endParaRPr lang="zh-CN" altLang="en-US" sz="1600" b="1" kern="1200" dirty="0">
+                        <a:solidFill>
+                          <a:schemeClr val="lt1"/>
+                        </a:solidFill>
+                        <a:latin typeface="+mn-lt"/>
+                        <a:ea typeface="+mn-ea"/>
+                        <a:cs typeface="+mn-cs"/>
+                      </a:endParaRPr>
+                    </a:p>
+                  </a:txBody>
+                  <a:tcPr>
+                    <a:solidFill>
+                      <a:schemeClr val="accent1"/>
+                    </a:solidFill>
+                  </a:tcPr>
+                </a:tc>
+                <a:extLst>
+                  <a:ext uri="{0D108BD9-81ED-4DB2-BD59-A6C34878D82A}">
+                    <a16:rowId xmlns:a16="http://schemas.microsoft.com/office/drawing/2014/main" val="3934014478"/>
+                  </a:ext>
+                </a:extLst>
+              </a:tr>
+              <a:tr h="921018">
+                <a:tc>
+                  <a:txBody>
+                    <a:bodyPr/>
+                    <a:lstStyle/>
+                    <a:p>
+                      <a:pPr marL="0" marR="0" lvl="0" indent="0" algn="l" defTabSz="914400" rtl="0" eaLnBrk="1" fontAlgn="auto" latinLnBrk="0" hangingPunct="1">
+                        <a:lnSpc>
+                          <a:spcPct val="100000"/>
+                        </a:lnSpc>
+                        <a:spcBef>
+                          <a:spcPts val="0"/>
+                        </a:spcBef>
+                        <a:spcAft>
+                          <a:spcPts val="0"/>
+                        </a:spcAft>
+                        <a:buClrTx/>
+                        <a:buSzTx/>
+                        <a:buFontTx/>
+                        <a:buNone/>
+                        <a:tabLst/>
+                        <a:defRPr/>
+                      </a:pPr>
+                      <a:r>
+                        <a:rPr lang="en-US" altLang="zh-CN" sz="1600" dirty="0"/>
+                        <a:t>1</a:t>
+                      </a:r>
+                      <a:endParaRPr lang="zh-CN" altLang="en-US" sz="1600" dirty="0"/>
+                    </a:p>
+                  </a:txBody>
+                  <a:tcPr/>
+                </a:tc>
+                <a:tc>
+                  <a:txBody>
+                    <a:bodyPr/>
+                    <a:lstStyle/>
+                    <a:p>
+                      <a:r>
+                        <a:rPr lang="en-US" altLang="zh-CN" sz="1600" dirty="0"/>
+                        <a:t>Fast Failover</a:t>
+                      </a:r>
+                      <a:endParaRPr lang="zh-CN" altLang="en-US" sz="1600" dirty="0"/>
+                    </a:p>
+                  </a:txBody>
+                  <a:tcPr/>
+                </a:tc>
+                <a:tc>
+                  <a:txBody>
+                    <a:bodyPr/>
+                    <a:lstStyle/>
+                    <a:p>
+                      <a:r>
+                        <a:rPr lang="en-US" altLang="zh-CN" sz="1600" dirty="0"/>
+                        <a:t>TTL;</a:t>
+                      </a:r>
+                    </a:p>
+                    <a:p>
+                      <a:r>
+                        <a:rPr lang="en-US" altLang="zh-CN" sz="1600" dirty="0"/>
+                        <a:t>Set-field: </a:t>
+                      </a:r>
+                      <a:r>
+                        <a:rPr lang="en-US" altLang="zh-CN" sz="1600" dirty="0" err="1"/>
+                        <a:t>Srcdstmac</a:t>
+                      </a:r>
+                      <a:r>
+                        <a:rPr lang="en-US" altLang="zh-CN" sz="1600" dirty="0"/>
+                        <a:t>;</a:t>
+                      </a:r>
+                    </a:p>
+                    <a:p>
+                      <a:r>
+                        <a:rPr lang="en-US" altLang="zh-CN" sz="1600" dirty="0" err="1"/>
+                        <a:t>Outport</a:t>
+                      </a:r>
+                      <a:r>
+                        <a:rPr lang="en-US" altLang="zh-CN" sz="1600" dirty="0"/>
+                        <a:t> 3</a:t>
+                      </a:r>
+                      <a:endParaRPr lang="zh-CN" altLang="en-US" sz="1600" dirty="0"/>
+                    </a:p>
+                  </a:txBody>
+                  <a:tcPr/>
+                </a:tc>
+                <a:tc>
+                  <a:txBody>
+                    <a:bodyPr/>
+                    <a:lstStyle/>
+                    <a:p>
+                      <a:r>
+                        <a:rPr lang="en-US" altLang="zh-CN" sz="1600" dirty="0"/>
+                        <a:t>TTL;</a:t>
+                      </a:r>
+                    </a:p>
+                    <a:p>
+                      <a:r>
+                        <a:rPr lang="en-US" altLang="zh-CN" sz="1600" dirty="0"/>
+                        <a:t>Set-field: </a:t>
+                      </a:r>
+                      <a:r>
+                        <a:rPr lang="en-US" altLang="zh-CN" sz="1600" dirty="0" err="1"/>
+                        <a:t>dstIP</a:t>
+                      </a:r>
+                      <a:r>
+                        <a:rPr lang="en-US" altLang="zh-CN" sz="1600" dirty="0"/>
+                        <a:t>;</a:t>
+                      </a:r>
+                    </a:p>
+                    <a:p>
+                      <a:r>
+                        <a:rPr lang="en-US" altLang="zh-CN" sz="1600" dirty="0"/>
+                        <a:t>Set-field: </a:t>
+                      </a:r>
+                      <a:r>
+                        <a:rPr lang="en-US" altLang="zh-CN" sz="1600" dirty="0" err="1"/>
+                        <a:t>Srcdstmac</a:t>
+                      </a:r>
+                      <a:r>
+                        <a:rPr lang="en-US" altLang="zh-CN" sz="1600" dirty="0"/>
+                        <a:t>;</a:t>
+                      </a:r>
+                    </a:p>
+                    <a:p>
+                      <a:r>
+                        <a:rPr lang="en-US" altLang="zh-CN" sz="1600" dirty="0" err="1"/>
+                        <a:t>Outport</a:t>
+                      </a:r>
+                      <a:r>
+                        <a:rPr lang="en-US" altLang="zh-CN" sz="1600" dirty="0"/>
+                        <a:t> 2;</a:t>
+                      </a:r>
+                      <a:endParaRPr lang="zh-CN" altLang="en-US" sz="1600" dirty="0"/>
+                    </a:p>
+                  </a:txBody>
+                  <a:tcPr/>
+                </a:tc>
+                <a:extLst>
+                  <a:ext uri="{0D108BD9-81ED-4DB2-BD59-A6C34878D82A}">
+                    <a16:rowId xmlns:a16="http://schemas.microsoft.com/office/drawing/2014/main" val="4143019681"/>
+                  </a:ext>
+                </a:extLst>
+              </a:tr>
+              <a:tr h="921018">
+                <a:tc>
+                  <a:txBody>
+                    <a:bodyPr/>
+                    <a:lstStyle/>
+                    <a:p>
+                      <a:pPr marL="0" marR="0" lvl="0" indent="0" algn="l" defTabSz="914400" rtl="0" eaLnBrk="1" fontAlgn="auto" latinLnBrk="0" hangingPunct="1">
+                        <a:lnSpc>
+                          <a:spcPct val="100000"/>
+                        </a:lnSpc>
+                        <a:spcBef>
+                          <a:spcPts val="0"/>
+                        </a:spcBef>
+                        <a:spcAft>
+                          <a:spcPts val="0"/>
+                        </a:spcAft>
+                        <a:buClrTx/>
+                        <a:buSzTx/>
+                        <a:buFontTx/>
+                        <a:buNone/>
+                        <a:tabLst/>
+                        <a:defRPr/>
+                      </a:pPr>
+                      <a:r>
+                        <a:rPr lang="en-US" altLang="zh-CN" sz="1600" dirty="0"/>
+                        <a:t>2</a:t>
+                      </a:r>
+                      <a:endParaRPr lang="zh-CN" altLang="en-US" sz="1600" dirty="0"/>
+                    </a:p>
+                  </a:txBody>
+                  <a:tcPr/>
+                </a:tc>
+                <a:tc>
+                  <a:txBody>
+                    <a:bodyPr/>
+                    <a:lstStyle/>
+                    <a:p>
+                      <a:r>
+                        <a:rPr lang="en-US" altLang="zh-CN" sz="1600" dirty="0"/>
+                        <a:t>Fast Failover</a:t>
+                      </a:r>
+                      <a:endParaRPr lang="zh-CN" altLang="en-US" sz="1600" dirty="0"/>
+                    </a:p>
+                  </a:txBody>
+                  <a:tcPr/>
+                </a:tc>
+                <a:tc>
+                  <a:txBody>
+                    <a:bodyPr/>
+                    <a:lstStyle/>
+                    <a:p>
+                      <a:r>
+                        <a:rPr lang="en-US" altLang="zh-CN" sz="1600" dirty="0"/>
+                        <a:t>TTL;</a:t>
+                      </a:r>
+                    </a:p>
+                    <a:p>
+                      <a:r>
+                        <a:rPr lang="en-US" altLang="zh-CN" sz="1600" dirty="0"/>
+                        <a:t>Set-field: </a:t>
+                      </a:r>
+                      <a:r>
+                        <a:rPr lang="en-US" altLang="zh-CN" sz="1600" dirty="0" err="1"/>
+                        <a:t>Srcdstmac</a:t>
+                      </a:r>
+                      <a:r>
+                        <a:rPr lang="en-US" altLang="zh-CN" sz="1600" dirty="0"/>
+                        <a:t>;</a:t>
+                      </a:r>
+                    </a:p>
+                    <a:p>
+                      <a:r>
+                        <a:rPr lang="en-US" altLang="zh-CN" sz="1600" dirty="0" err="1"/>
+                        <a:t>Outport</a:t>
+                      </a:r>
+                      <a:r>
+                        <a:rPr lang="en-US" altLang="zh-CN" sz="1600" dirty="0"/>
+                        <a:t> 1</a:t>
+                      </a:r>
+                      <a:endParaRPr lang="zh-CN" altLang="en-US" sz="1600" dirty="0"/>
+                    </a:p>
+                  </a:txBody>
+                  <a:tcPr/>
+                </a:tc>
+                <a:tc>
+                  <a:txBody>
+                    <a:bodyPr/>
+                    <a:lstStyle/>
+                    <a:p>
+                      <a:r>
+                        <a:rPr lang="en-US" altLang="zh-CN" sz="1600" dirty="0"/>
+                        <a:t>TTL;</a:t>
+                      </a:r>
+                    </a:p>
+                    <a:p>
+                      <a:r>
+                        <a:rPr lang="en-US" altLang="zh-CN" sz="1600" dirty="0"/>
+                        <a:t>Set-field: </a:t>
+                      </a:r>
+                      <a:r>
+                        <a:rPr lang="en-US" altLang="zh-CN" sz="1600" dirty="0" err="1"/>
+                        <a:t>dstIP</a:t>
+                      </a:r>
+                      <a:r>
+                        <a:rPr lang="en-US" altLang="zh-CN" sz="1600" dirty="0"/>
+                        <a:t>;</a:t>
+                      </a:r>
+                    </a:p>
+                    <a:p>
+                      <a:r>
+                        <a:rPr lang="en-US" altLang="zh-CN" sz="1600" dirty="0"/>
+                        <a:t>Set-field: </a:t>
+                      </a:r>
+                      <a:r>
+                        <a:rPr lang="en-US" altLang="zh-CN" sz="1600" dirty="0" err="1"/>
+                        <a:t>Srcdstmac</a:t>
+                      </a:r>
+                      <a:r>
+                        <a:rPr lang="en-US" altLang="zh-CN" sz="1600" dirty="0"/>
+                        <a:t>;</a:t>
+                      </a:r>
+                    </a:p>
+                    <a:p>
+                      <a:r>
+                        <a:rPr lang="en-US" altLang="zh-CN" sz="1600" dirty="0" err="1"/>
+                        <a:t>Outport</a:t>
+                      </a:r>
+                      <a:r>
+                        <a:rPr lang="en-US" altLang="zh-CN" sz="1600" dirty="0"/>
+                        <a:t> 2;</a:t>
+                      </a:r>
+                      <a:endParaRPr lang="zh-CN" altLang="en-US" sz="1600" dirty="0"/>
+                    </a:p>
+                  </a:txBody>
+                  <a:tcPr/>
+                </a:tc>
+                <a:extLst>
+                  <a:ext uri="{0D108BD9-81ED-4DB2-BD59-A6C34878D82A}">
+                    <a16:rowId xmlns:a16="http://schemas.microsoft.com/office/drawing/2014/main" val="3304748000"/>
+                  </a:ext>
+                </a:extLst>
+              </a:tr>
+            </a:tbl>
+          </a:graphicData>
+        </a:graphic>
+      </p:graphicFrame>
+    </p:spTree>
+    <p:extLst>
+      <p:ext uri="{BB962C8B-B14F-4D97-AF65-F5344CB8AC3E}">
+        <p14:creationId xmlns:p14="http://schemas.microsoft.com/office/powerpoint/2010/main" val="3539645036"/>
+      </p:ext>
+    </p:extLst>
+  </p:cSld>
+  <p:clrMapOvr>
+    <a:masterClrMapping/>
+  </p:clrMapOvr>
+</p:sld>
+</file>
+
+<file path=ppt/slides/slide8.xml><?xml version="1.0" encoding="utf-8"?>
+<p:sld xmlns:a="http://schemas.openxmlformats.org/drawingml/2006/main" xmlns:r="http://schemas.openxmlformats.org/officeDocument/2006/relationships" xmlns:p="http://schemas.openxmlformats.org/presentationml/2006/main">
+  <p:cSld>
+    <p:spTree>
+      <p:nvGrpSpPr>
+        <p:cNvPr id="1" name=""/>
+        <p:cNvGrpSpPr/>
+        <p:nvPr/>
+      </p:nvGrpSpPr>
+      <p:grpSpPr>
+        <a:xfrm>
+          <a:off x="0" y="0"/>
+          <a:ext cx="0" cy="0"/>
+          <a:chOff x="0" y="0"/>
+          <a:chExt cx="0" cy="0"/>
+        </a:xfrm>
+      </p:grpSpPr>
+      <p:sp>
+        <p:nvSpPr>
+          <p:cNvPr id="2" name="标题 1">
+            <a:extLst>
+              <a:ext uri="{FF2B5EF4-FFF2-40B4-BE49-F238E27FC236}">
+                <a16:creationId xmlns:a16="http://schemas.microsoft.com/office/drawing/2014/main" id="{D2AC8B54-83E0-45C3-831F-7381AEB91878}"/>
+              </a:ext>
+            </a:extLst>
+          </p:cNvPr>
+          <p:cNvSpPr>
+            <a:spLocks noGrp="1"/>
+          </p:cNvSpPr>
+          <p:nvPr>
+            <p:ph type="title"/>
+          </p:nvPr>
+        </p:nvSpPr>
+        <p:spPr/>
+        <p:txBody>
+          <a:bodyPr/>
+          <a:lstStyle/>
+          <a:p>
+            <a:r>
+              <a:rPr lang="en-US" altLang="zh-CN" dirty="0"/>
+              <a:t>Switch’s Tables – </a:t>
+            </a:r>
+            <a:r>
+              <a:rPr lang="en-US" altLang="zh-CN" dirty="0" err="1"/>
+              <a:t>NotVia</a:t>
+            </a:r>
+            <a:endParaRPr lang="zh-CN" altLang="en-US" dirty="0"/>
+          </a:p>
+        </p:txBody>
+      </p:sp>
+      <p:pic>
+        <p:nvPicPr>
+          <p:cNvPr id="14" name="图片 13">
+            <a:extLst>
+              <a:ext uri="{FF2B5EF4-FFF2-40B4-BE49-F238E27FC236}">
+                <a16:creationId xmlns:a16="http://schemas.microsoft.com/office/drawing/2014/main" id="{0DEA11FB-38BB-4BE4-9AC1-B54F272F7B19}"/>
+              </a:ext>
+            </a:extLst>
+          </p:cNvPr>
+          <p:cNvPicPr>
+            <a:picLocks noChangeAspect="1"/>
+          </p:cNvPicPr>
+          <p:nvPr/>
+        </p:nvPicPr>
+        <p:blipFill>
+          <a:blip r:embed="rId2"/>
+          <a:stretch>
+            <a:fillRect/>
+          </a:stretch>
+        </p:blipFill>
+        <p:spPr>
+          <a:xfrm>
             <a:off x="2791005" y="1276529"/>
             <a:ext cx="6609985" cy="2725929"/>
           </a:xfrm>
@@ -12957,7 +14068,7 @@
           <p:nvPr>
             <p:extLst>
               <p:ext uri="{D42A27DB-BD31-4B8C-83A1-F6EECF244321}">
-                <p14:modId xmlns:p14="http://schemas.microsoft.com/office/powerpoint/2010/main" val="3156906369"/>
+                <p14:modId xmlns:p14="http://schemas.microsoft.com/office/powerpoint/2010/main" val="2838142088"/>
               </p:ext>
             </p:extLst>
           </p:nvPr>
@@ -13228,7 +14339,7 @@
                           <a:ea typeface="+mn-ea"/>
                           <a:cs typeface="+mn-cs"/>
                         </a:rPr>
-                        <a:t>Action set 1</a:t>
+                        <a:t>Bucket 1</a:t>
                       </a:r>
                       <a:endParaRPr lang="zh-CN" altLang="en-US" sz="1600" b="1" kern="1200" dirty="0">
                         <a:solidFill>
@@ -13246,46 +14357,6 @@
                     </a:solidFill>
                   </a:tcPr>
                 </a:tc>
-                <a:tc>
-                  <a:txBody>
-                    <a:bodyPr/>
-                    <a:lstStyle/>
-                    <a:p>
-                      <a:pPr marL="0" algn="l" defTabSz="914400" rtl="0" eaLnBrk="1" latinLnBrk="0" hangingPunct="1"/>
-                      <a:r>
-                        <a:rPr lang="en-US" altLang="zh-CN" sz="1600" b="1" kern="1200" dirty="0">
-                          <a:solidFill>
-                            <a:schemeClr val="lt1"/>
-                          </a:solidFill>
-                          <a:latin typeface="+mn-lt"/>
-                          <a:ea typeface="+mn-ea"/>
-                          <a:cs typeface="+mn-cs"/>
-                        </a:rPr>
-                        <a:t>Action set 2</a:t>
-                      </a:r>
-                      <a:endParaRPr lang="zh-CN" altLang="en-US" sz="1600" b="1" kern="1200" dirty="0">
-                        <a:solidFill>
-                          <a:schemeClr val="lt1"/>
-                        </a:solidFill>
-                        <a:latin typeface="+mn-lt"/>
-                        <a:ea typeface="+mn-ea"/>
-                        <a:cs typeface="+mn-cs"/>
-                      </a:endParaRPr>
-                    </a:p>
-                  </a:txBody>
-                  <a:tcPr>
-                    <a:solidFill>
-                      <a:schemeClr val="accent1"/>
-                    </a:solidFill>
-                  </a:tcPr>
-                </a:tc>
-                <a:extLst>
-                  <a:ext uri="{0D108BD9-81ED-4DB2-BD59-A6C34878D82A}">
-                    <a16:rowId xmlns:a16="http://schemas.microsoft.com/office/drawing/2014/main" val="3934014478"/>
-                  </a:ext>
-                </a:extLst>
-              </a:tr>
-              <a:tr h="370840">
                 <a:tc>
                   <a:txBody>
                     <a:bodyPr/>
@@ -13309,470 +14380,6 @@
                         <a:defRPr/>
                       </a:pPr>
                       <a:r>
-                        <a:rPr lang="en-US" altLang="zh-CN" sz="1600" dirty="0"/>
-                        <a:t>1</a:t>
-                      </a:r>
-                      <a:endParaRPr lang="zh-CN" altLang="en-US" sz="1600" dirty="0"/>
-                    </a:p>
-                  </a:txBody>
-                  <a:tcPr/>
-                </a:tc>
-                <a:tc>
-                  <a:txBody>
-                    <a:bodyPr/>
-                    <a:lstStyle/>
-                    <a:p>
-                      <a:r>
-                        <a:rPr lang="en-US" altLang="zh-CN" sz="1600" dirty="0"/>
-                        <a:t>Fast Failover</a:t>
-                      </a:r>
-                      <a:endParaRPr lang="zh-CN" altLang="en-US" sz="1600" dirty="0"/>
-                    </a:p>
-                  </a:txBody>
-                  <a:tcPr/>
-                </a:tc>
-                <a:tc>
-                  <a:txBody>
-                    <a:bodyPr/>
-                    <a:lstStyle/>
-                    <a:p>
-                      <a:r>
-                        <a:rPr lang="en-US" altLang="zh-CN" sz="1600" dirty="0"/>
-                        <a:t>TTL;</a:t>
-                      </a:r>
-                    </a:p>
-                    <a:p>
-                      <a:r>
-                        <a:rPr lang="en-US" altLang="zh-CN" sz="1600" dirty="0"/>
-                        <a:t>Set-field: </a:t>
-                      </a:r>
-                      <a:r>
-                        <a:rPr lang="en-US" altLang="zh-CN" sz="1600" dirty="0" err="1"/>
-                        <a:t>Srcdstmac</a:t>
-                      </a:r>
-                      <a:r>
-                        <a:rPr lang="en-US" altLang="zh-CN" sz="1600" dirty="0"/>
-                        <a:t>;</a:t>
-                      </a:r>
-                    </a:p>
-                    <a:p>
-                      <a:r>
-                        <a:rPr lang="en-US" altLang="zh-CN" sz="1600" dirty="0" err="1"/>
-                        <a:t>Outport</a:t>
-                      </a:r>
-                      <a:r>
-                        <a:rPr lang="en-US" altLang="zh-CN" sz="1600" dirty="0"/>
-                        <a:t> 3</a:t>
-                      </a:r>
-                      <a:endParaRPr lang="zh-CN" altLang="en-US" sz="1600" dirty="0"/>
-                    </a:p>
-                  </a:txBody>
-                  <a:tcPr/>
-                </a:tc>
-                <a:tc>
-                  <a:txBody>
-                    <a:bodyPr/>
-                    <a:lstStyle/>
-                    <a:p>
-                      <a:r>
-                        <a:rPr lang="en-US" altLang="zh-CN" sz="1600" dirty="0"/>
-                        <a:t>Set-field: </a:t>
-                      </a:r>
-                      <a:r>
-                        <a:rPr lang="en-US" altLang="zh-CN" sz="1600" dirty="0" err="1"/>
-                        <a:t>dstIP</a:t>
-                      </a:r>
-                      <a:r>
-                        <a:rPr lang="en-US" altLang="zh-CN" sz="1600" dirty="0"/>
-                        <a:t>;</a:t>
-                      </a:r>
-                    </a:p>
-                    <a:p>
-                      <a:r>
-                        <a:rPr lang="en-US" altLang="zh-CN" sz="1600" dirty="0"/>
-                        <a:t>Set-field: </a:t>
-                      </a:r>
-                      <a:r>
-                        <a:rPr lang="en-US" altLang="zh-CN" sz="1600" dirty="0" err="1"/>
-                        <a:t>Srcdstmac</a:t>
-                      </a:r>
-                      <a:r>
-                        <a:rPr lang="en-US" altLang="zh-CN" sz="1600" dirty="0"/>
-                        <a:t>;</a:t>
-                      </a:r>
-                    </a:p>
-                    <a:p>
-                      <a:r>
-                        <a:rPr lang="en-US" altLang="zh-CN" sz="1600" dirty="0" err="1"/>
-                        <a:t>Outport</a:t>
-                      </a:r>
-                      <a:r>
-                        <a:rPr lang="en-US" altLang="zh-CN" sz="1600" dirty="0"/>
-                        <a:t> 2;</a:t>
-                      </a:r>
-                      <a:endParaRPr lang="zh-CN" altLang="en-US" sz="1600" dirty="0"/>
-                    </a:p>
-                  </a:txBody>
-                  <a:tcPr/>
-                </a:tc>
-                <a:extLst>
-                  <a:ext uri="{0D108BD9-81ED-4DB2-BD59-A6C34878D82A}">
-                    <a16:rowId xmlns:a16="http://schemas.microsoft.com/office/drawing/2014/main" val="4143019681"/>
-                  </a:ext>
-                </a:extLst>
-              </a:tr>
-              <a:tr h="195528">
-                <a:tc>
-                  <a:txBody>
-                    <a:bodyPr/>
-                    <a:lstStyle/>
-                    <a:p>
-                      <a:pPr marL="0" marR="0" lvl="0" indent="0" algn="l" defTabSz="914400" rtl="0" eaLnBrk="1" fontAlgn="auto" latinLnBrk="0" hangingPunct="1">
-                        <a:lnSpc>
-                          <a:spcPct val="100000"/>
-                        </a:lnSpc>
-                        <a:spcBef>
-                          <a:spcPts val="0"/>
-                        </a:spcBef>
-                        <a:spcAft>
-                          <a:spcPts val="0"/>
-                        </a:spcAft>
-                        <a:buClrTx/>
-                        <a:buSzTx/>
-                        <a:buFontTx/>
-                        <a:buNone/>
-                        <a:tabLst/>
-                        <a:defRPr/>
-                      </a:pPr>
-                      <a:r>
-                        <a:rPr lang="en-US" altLang="zh-CN" sz="1600" dirty="0"/>
-                        <a:t>2</a:t>
-                      </a:r>
-                      <a:endParaRPr lang="zh-CN" altLang="en-US" sz="1600" dirty="0"/>
-                    </a:p>
-                  </a:txBody>
-                  <a:tcPr/>
-                </a:tc>
-                <a:tc>
-                  <a:txBody>
-                    <a:bodyPr/>
-                    <a:lstStyle/>
-                    <a:p>
-                      <a:r>
-                        <a:rPr lang="en-US" altLang="zh-CN" sz="1600" dirty="0"/>
-                        <a:t>Fast Failover</a:t>
-                      </a:r>
-                      <a:endParaRPr lang="zh-CN" altLang="en-US" sz="1600" dirty="0"/>
-                    </a:p>
-                  </a:txBody>
-                  <a:tcPr/>
-                </a:tc>
-                <a:tc>
-                  <a:txBody>
-                    <a:bodyPr/>
-                    <a:lstStyle/>
-                    <a:p>
-                      <a:r>
-                        <a:rPr lang="en-US" altLang="zh-CN" sz="1600" dirty="0"/>
-                        <a:t>TTL;</a:t>
-                      </a:r>
-                    </a:p>
-                    <a:p>
-                      <a:r>
-                        <a:rPr lang="en-US" altLang="zh-CN" sz="1600" dirty="0"/>
-                        <a:t>Set-field: </a:t>
-                      </a:r>
-                      <a:r>
-                        <a:rPr lang="en-US" altLang="zh-CN" sz="1600" dirty="0" err="1"/>
-                        <a:t>Srcdstmac</a:t>
-                      </a:r>
-                      <a:r>
-                        <a:rPr lang="en-US" altLang="zh-CN" sz="1600" dirty="0"/>
-                        <a:t>;</a:t>
-                      </a:r>
-                    </a:p>
-                    <a:p>
-                      <a:r>
-                        <a:rPr lang="en-US" altLang="zh-CN" sz="1600" dirty="0" err="1"/>
-                        <a:t>Outport</a:t>
-                      </a:r>
-                      <a:r>
-                        <a:rPr lang="en-US" altLang="zh-CN" sz="1600" dirty="0"/>
-                        <a:t> 1</a:t>
-                      </a:r>
-                      <a:endParaRPr lang="zh-CN" altLang="en-US" sz="1600" dirty="0"/>
-                    </a:p>
-                  </a:txBody>
-                  <a:tcPr/>
-                </a:tc>
-                <a:tc>
-                  <a:txBody>
-                    <a:bodyPr/>
-                    <a:lstStyle/>
-                    <a:p>
-                      <a:r>
-                        <a:rPr lang="en-US" altLang="zh-CN" sz="1600" dirty="0"/>
-                        <a:t>Set-field: </a:t>
-                      </a:r>
-                      <a:r>
-                        <a:rPr lang="en-US" altLang="zh-CN" sz="1600" dirty="0" err="1"/>
-                        <a:t>dstIP</a:t>
-                      </a:r>
-                      <a:r>
-                        <a:rPr lang="en-US" altLang="zh-CN" sz="1600" dirty="0"/>
-                        <a:t>;</a:t>
-                      </a:r>
-                    </a:p>
-                    <a:p>
-                      <a:r>
-                        <a:rPr lang="en-US" altLang="zh-CN" sz="1600" dirty="0"/>
-                        <a:t>Set-field: </a:t>
-                      </a:r>
-                      <a:r>
-                        <a:rPr lang="en-US" altLang="zh-CN" sz="1600" dirty="0" err="1"/>
-                        <a:t>Srcdstmac</a:t>
-                      </a:r>
-                      <a:r>
-                        <a:rPr lang="en-US" altLang="zh-CN" sz="1600" dirty="0"/>
-                        <a:t>;</a:t>
-                      </a:r>
-                    </a:p>
-                    <a:p>
-                      <a:r>
-                        <a:rPr lang="en-US" altLang="zh-CN" sz="1600" dirty="0" err="1"/>
-                        <a:t>Outport</a:t>
-                      </a:r>
-                      <a:r>
-                        <a:rPr lang="en-US" altLang="zh-CN" sz="1600" dirty="0"/>
-                        <a:t> 2;</a:t>
-                      </a:r>
-                      <a:endParaRPr lang="zh-CN" altLang="en-US" sz="1600" dirty="0"/>
-                    </a:p>
-                  </a:txBody>
-                  <a:tcPr/>
-                </a:tc>
-                <a:extLst>
-                  <a:ext uri="{0D108BD9-81ED-4DB2-BD59-A6C34878D82A}">
-                    <a16:rowId xmlns:a16="http://schemas.microsoft.com/office/drawing/2014/main" val="3304748000"/>
-                  </a:ext>
-                </a:extLst>
-              </a:tr>
-            </a:tbl>
-          </a:graphicData>
-        </a:graphic>
-      </p:graphicFrame>
-    </p:spTree>
-    <p:extLst>
-      <p:ext uri="{BB962C8B-B14F-4D97-AF65-F5344CB8AC3E}">
-        <p14:creationId xmlns:p14="http://schemas.microsoft.com/office/powerpoint/2010/main" val="3539645036"/>
-      </p:ext>
-    </p:extLst>
-  </p:cSld>
-  <p:clrMapOvr>
-    <a:masterClrMapping/>
-  </p:clrMapOvr>
-</p:sld>
-</file>
-
-<file path=ppt/slides/slide8.xml><?xml version="1.0" encoding="utf-8"?>
-<p:sld xmlns:a="http://schemas.openxmlformats.org/drawingml/2006/main" xmlns:r="http://schemas.openxmlformats.org/officeDocument/2006/relationships" xmlns:p="http://schemas.openxmlformats.org/presentationml/2006/main">
-  <p:cSld>
-    <p:spTree>
-      <p:nvGrpSpPr>
-        <p:cNvPr id="1" name=""/>
-        <p:cNvGrpSpPr/>
-        <p:nvPr/>
-      </p:nvGrpSpPr>
-      <p:grpSpPr>
-        <a:xfrm>
-          <a:off x="0" y="0"/>
-          <a:ext cx="0" cy="0"/>
-          <a:chOff x="0" y="0"/>
-          <a:chExt cx="0" cy="0"/>
-        </a:xfrm>
-      </p:grpSpPr>
-      <p:sp>
-        <p:nvSpPr>
-          <p:cNvPr id="2" name="标题 1">
-            <a:extLst>
-              <a:ext uri="{FF2B5EF4-FFF2-40B4-BE49-F238E27FC236}">
-                <a16:creationId xmlns:a16="http://schemas.microsoft.com/office/drawing/2014/main" id="{D2AC8B54-83E0-45C3-831F-7381AEB91878}"/>
-              </a:ext>
-            </a:extLst>
-          </p:cNvPr>
-          <p:cNvSpPr>
-            <a:spLocks noGrp="1"/>
-          </p:cNvSpPr>
-          <p:nvPr>
-            <p:ph type="title"/>
-          </p:nvPr>
-        </p:nvSpPr>
-        <p:spPr/>
-        <p:txBody>
-          <a:bodyPr/>
-          <a:lstStyle/>
-          <a:p>
-            <a:r>
-              <a:rPr lang="en-US" altLang="zh-CN" dirty="0"/>
-              <a:t>Switch’s Tables – </a:t>
-            </a:r>
-            <a:r>
-              <a:rPr lang="en-US" altLang="zh-CN" dirty="0" err="1"/>
-              <a:t>NotVia</a:t>
-            </a:r>
-            <a:endParaRPr lang="zh-CN" altLang="en-US" dirty="0"/>
-          </a:p>
-        </p:txBody>
-      </p:sp>
-      <p:pic>
-        <p:nvPicPr>
-          <p:cNvPr id="14" name="图片 13">
-            <a:extLst>
-              <a:ext uri="{FF2B5EF4-FFF2-40B4-BE49-F238E27FC236}">
-                <a16:creationId xmlns:a16="http://schemas.microsoft.com/office/drawing/2014/main" id="{0DEA11FB-38BB-4BE4-9AC1-B54F272F7B19}"/>
-              </a:ext>
-            </a:extLst>
-          </p:cNvPr>
-          <p:cNvPicPr>
-            <a:picLocks noChangeAspect="1"/>
-          </p:cNvPicPr>
-          <p:nvPr/>
-        </p:nvPicPr>
-        <p:blipFill>
-          <a:blip r:embed="rId2"/>
-          <a:stretch>
-            <a:fillRect/>
-          </a:stretch>
-        </p:blipFill>
-        <p:spPr>
-          <a:xfrm>
-            <a:off x="2791005" y="1276529"/>
-            <a:ext cx="6609985" cy="2725929"/>
-          </a:xfrm>
-          <a:prstGeom prst="rect">
-            <a:avLst/>
-          </a:prstGeom>
-        </p:spPr>
-      </p:pic>
-      <p:graphicFrame>
-        <p:nvGraphicFramePr>
-          <p:cNvPr id="16" name="表格 6">
-            <a:extLst>
-              <a:ext uri="{FF2B5EF4-FFF2-40B4-BE49-F238E27FC236}">
-                <a16:creationId xmlns:a16="http://schemas.microsoft.com/office/drawing/2014/main" id="{04DB1190-8EC9-4875-B5F9-7E4CF80FE9FC}"/>
-              </a:ext>
-            </a:extLst>
-          </p:cNvPr>
-          <p:cNvGraphicFramePr>
-            <a:graphicFrameLocks noGrp="1"/>
-          </p:cNvGraphicFramePr>
-          <p:nvPr>
-            <p:extLst>
-              <p:ext uri="{D42A27DB-BD31-4B8C-83A1-F6EECF244321}">
-                <p14:modId xmlns:p14="http://schemas.microsoft.com/office/powerpoint/2010/main" val="1420876768"/>
-              </p:ext>
-            </p:extLst>
-          </p:nvPr>
-        </p:nvGraphicFramePr>
-        <p:xfrm>
-          <a:off x="2325141" y="4002458"/>
-          <a:ext cx="7541714" cy="2682240"/>
-        </p:xfrm>
-        <a:graphic>
-          <a:graphicData uri="http://schemas.openxmlformats.org/drawingml/2006/table">
-            <a:tbl>
-              <a:tblPr firstRow="1" bandRow="1">
-                <a:tableStyleId>{5C22544A-7EE6-4342-B048-85BDC9FD1C3A}</a:tableStyleId>
-              </a:tblPr>
-              <a:tblGrid>
-                <a:gridCol w="1352196">
-                  <a:extLst>
-                    <a:ext uri="{9D8B030D-6E8A-4147-A177-3AD203B41FA5}">
-                      <a16:colId xmlns:a16="http://schemas.microsoft.com/office/drawing/2014/main" val="2457041268"/>
-                    </a:ext>
-                  </a:extLst>
-                </a:gridCol>
-                <a:gridCol w="1711810">
-                  <a:extLst>
-                    <a:ext uri="{9D8B030D-6E8A-4147-A177-3AD203B41FA5}">
-                      <a16:colId xmlns:a16="http://schemas.microsoft.com/office/drawing/2014/main" val="2432146045"/>
-                    </a:ext>
-                  </a:extLst>
-                </a:gridCol>
-                <a:gridCol w="2502604">
-                  <a:extLst>
-                    <a:ext uri="{9D8B030D-6E8A-4147-A177-3AD203B41FA5}">
-                      <a16:colId xmlns:a16="http://schemas.microsoft.com/office/drawing/2014/main" val="2553256413"/>
-                    </a:ext>
-                  </a:extLst>
-                </a:gridCol>
-                <a:gridCol w="1975104">
-                  <a:extLst>
-                    <a:ext uri="{9D8B030D-6E8A-4147-A177-3AD203B41FA5}">
-                      <a16:colId xmlns:a16="http://schemas.microsoft.com/office/drawing/2014/main" val="1698075274"/>
-                    </a:ext>
-                  </a:extLst>
-                </a:gridCol>
-              </a:tblGrid>
-              <a:tr h="191964">
-                <a:tc gridSpan="4">
-                  <a:txBody>
-                    <a:bodyPr/>
-                    <a:lstStyle/>
-                    <a:p>
-                      <a:r>
-                        <a:rPr lang="en-US" altLang="zh-CN" dirty="0"/>
-                        <a:t>Group Table</a:t>
-                      </a:r>
-                      <a:endParaRPr lang="zh-CN" altLang="en-US" dirty="0"/>
-                    </a:p>
-                  </a:txBody>
-                  <a:tcPr/>
-                </a:tc>
-                <a:tc hMerge="1">
-                  <a:txBody>
-                    <a:bodyPr/>
-                    <a:lstStyle/>
-                    <a:p>
-                      <a:endParaRPr lang="zh-CN" altLang="en-US" dirty="0"/>
-                    </a:p>
-                  </a:txBody>
-                  <a:tcPr/>
-                </a:tc>
-                <a:tc hMerge="1">
-                  <a:txBody>
-                    <a:bodyPr/>
-                    <a:lstStyle/>
-                    <a:p>
-                      <a:endParaRPr lang="zh-CN" altLang="en-US" dirty="0"/>
-                    </a:p>
-                  </a:txBody>
-                  <a:tcPr/>
-                </a:tc>
-                <a:tc hMerge="1">
-                  <a:txBody>
-                    <a:bodyPr/>
-                    <a:lstStyle/>
-                    <a:p>
-                      <a:endParaRPr lang="zh-CN" altLang="en-US"/>
-                    </a:p>
-                  </a:txBody>
-                  <a:tcPr/>
-                </a:tc>
-                <a:extLst>
-                  <a:ext uri="{0D108BD9-81ED-4DB2-BD59-A6C34878D82A}">
-                    <a16:rowId xmlns:a16="http://schemas.microsoft.com/office/drawing/2014/main" val="2707727658"/>
-                  </a:ext>
-                </a:extLst>
-              </a:tr>
-              <a:tr h="191964">
-                <a:tc rowSpan="2">
-                  <a:txBody>
-                    <a:bodyPr/>
-                    <a:lstStyle/>
-                    <a:p>
-                      <a:pPr marL="0" algn="l" defTabSz="914400" rtl="0" eaLnBrk="1" latinLnBrk="0" hangingPunct="1"/>
-                      <a:r>
                         <a:rPr lang="en-US" altLang="zh-CN" sz="1600" b="1" kern="1200" dirty="0">
                           <a:solidFill>
                             <a:schemeClr val="lt1"/>
@@ -13781,199 +14388,7 @@
                           <a:ea typeface="+mn-ea"/>
                           <a:cs typeface="+mn-cs"/>
                         </a:rPr>
-                        <a:t>Group Identifier</a:t>
-                      </a:r>
-                      <a:endParaRPr lang="zh-CN" altLang="en-US" sz="1600" b="1" kern="1200" dirty="0">
-                        <a:solidFill>
-                          <a:schemeClr val="lt1"/>
-                        </a:solidFill>
-                        <a:latin typeface="+mn-lt"/>
-                        <a:ea typeface="+mn-ea"/>
-                        <a:cs typeface="+mn-cs"/>
-                      </a:endParaRPr>
-                    </a:p>
-                  </a:txBody>
-                  <a:tcPr>
-                    <a:solidFill>
-                      <a:schemeClr val="accent1"/>
-                    </a:solidFill>
-                  </a:tcPr>
-                </a:tc>
-                <a:tc rowSpan="2">
-                  <a:txBody>
-                    <a:bodyPr/>
-                    <a:lstStyle/>
-                    <a:p>
-                      <a:pPr marL="0" algn="l" defTabSz="914400" rtl="0" eaLnBrk="1" latinLnBrk="0" hangingPunct="1"/>
-                      <a:r>
-                        <a:rPr lang="en-US" altLang="zh-CN" sz="1600" b="1" kern="1200" dirty="0">
-                          <a:solidFill>
-                            <a:schemeClr val="lt1"/>
-                          </a:solidFill>
-                          <a:latin typeface="+mn-lt"/>
-                          <a:ea typeface="+mn-ea"/>
-                          <a:cs typeface="+mn-cs"/>
-                        </a:rPr>
-                        <a:t>Group Type</a:t>
-                      </a:r>
-                      <a:endParaRPr lang="zh-CN" altLang="en-US" sz="1600" b="1" kern="1200" dirty="0">
-                        <a:solidFill>
-                          <a:schemeClr val="lt1"/>
-                        </a:solidFill>
-                        <a:latin typeface="+mn-lt"/>
-                        <a:ea typeface="+mn-ea"/>
-                        <a:cs typeface="+mn-cs"/>
-                      </a:endParaRPr>
-                    </a:p>
-                  </a:txBody>
-                  <a:tcPr>
-                    <a:solidFill>
-                      <a:schemeClr val="accent1"/>
-                    </a:solidFill>
-                  </a:tcPr>
-                </a:tc>
-                <a:tc gridSpan="2">
-                  <a:txBody>
-                    <a:bodyPr/>
-                    <a:lstStyle/>
-                    <a:p>
-                      <a:r>
-                        <a:rPr lang="en-US" altLang="zh-CN" sz="1600" b="1" kern="1200" dirty="0">
-                          <a:solidFill>
-                            <a:schemeClr val="lt1"/>
-                          </a:solidFill>
-                          <a:latin typeface="+mn-lt"/>
-                          <a:ea typeface="+mn-ea"/>
-                          <a:cs typeface="+mn-cs"/>
-                        </a:rPr>
-                        <a:t>Action Buckets</a:t>
-                      </a:r>
-                      <a:endParaRPr lang="zh-CN" altLang="en-US" sz="1600" b="1" kern="1200" dirty="0">
-                        <a:solidFill>
-                          <a:schemeClr val="lt1"/>
-                        </a:solidFill>
-                        <a:latin typeface="+mn-lt"/>
-                        <a:ea typeface="+mn-ea"/>
-                        <a:cs typeface="+mn-cs"/>
-                      </a:endParaRPr>
-                    </a:p>
-                  </a:txBody>
-                  <a:tcPr>
-                    <a:solidFill>
-                      <a:schemeClr val="accent1"/>
-                    </a:solidFill>
-                  </a:tcPr>
-                </a:tc>
-                <a:tc hMerge="1">
-                  <a:txBody>
-                    <a:bodyPr/>
-                    <a:lstStyle/>
-                    <a:p>
-                      <a:endParaRPr lang="zh-CN" altLang="en-US"/>
-                    </a:p>
-                  </a:txBody>
-                  <a:tcPr/>
-                </a:tc>
-                <a:extLst>
-                  <a:ext uri="{0D108BD9-81ED-4DB2-BD59-A6C34878D82A}">
-                    <a16:rowId xmlns:a16="http://schemas.microsoft.com/office/drawing/2014/main" val="252573886"/>
-                  </a:ext>
-                </a:extLst>
-              </a:tr>
-              <a:tr h="185420">
-                <a:tc vMerge="1">
-                  <a:txBody>
-                    <a:bodyPr/>
-                    <a:lstStyle/>
-                    <a:p>
-                      <a:pPr marL="0" algn="l" defTabSz="914400" rtl="0" eaLnBrk="1" latinLnBrk="0" hangingPunct="1"/>
-                      <a:endParaRPr lang="zh-CN" altLang="en-US" sz="1600" b="1" kern="1200" dirty="0">
-                        <a:solidFill>
-                          <a:schemeClr val="lt1"/>
-                        </a:solidFill>
-                        <a:latin typeface="+mn-lt"/>
-                        <a:ea typeface="+mn-ea"/>
-                        <a:cs typeface="+mn-cs"/>
-                      </a:endParaRPr>
-                    </a:p>
-                  </a:txBody>
-                  <a:tcPr>
-                    <a:solidFill>
-                      <a:schemeClr val="accent1"/>
-                    </a:solidFill>
-                  </a:tcPr>
-                </a:tc>
-                <a:tc vMerge="1">
-                  <a:txBody>
-                    <a:bodyPr/>
-                    <a:lstStyle/>
-                    <a:p>
-                      <a:pPr marL="0" algn="l" defTabSz="914400" rtl="0" eaLnBrk="1" latinLnBrk="0" hangingPunct="1"/>
-                      <a:endParaRPr lang="zh-CN" altLang="en-US" sz="1600" b="1" kern="1200" dirty="0">
-                        <a:solidFill>
-                          <a:schemeClr val="lt1"/>
-                        </a:solidFill>
-                        <a:latin typeface="+mn-lt"/>
-                        <a:ea typeface="+mn-ea"/>
-                        <a:cs typeface="+mn-cs"/>
-                      </a:endParaRPr>
-                    </a:p>
-                  </a:txBody>
-                  <a:tcPr>
-                    <a:solidFill>
-                      <a:schemeClr val="accent1"/>
-                    </a:solidFill>
-                  </a:tcPr>
-                </a:tc>
-                <a:tc>
-                  <a:txBody>
-                    <a:bodyPr/>
-                    <a:lstStyle/>
-                    <a:p>
-                      <a:pPr marL="0" algn="l" defTabSz="914400" rtl="0" eaLnBrk="1" latinLnBrk="0" hangingPunct="1"/>
-                      <a:r>
-                        <a:rPr lang="en-US" altLang="zh-CN" sz="1600" b="1" kern="1200" dirty="0">
-                          <a:solidFill>
-                            <a:schemeClr val="lt1"/>
-                          </a:solidFill>
-                          <a:latin typeface="+mn-lt"/>
-                          <a:ea typeface="+mn-ea"/>
-                          <a:cs typeface="+mn-cs"/>
-                        </a:rPr>
-                        <a:t>Action set 1</a:t>
-                      </a:r>
-                      <a:endParaRPr lang="zh-CN" altLang="en-US" sz="1600" b="1" kern="1200" dirty="0">
-                        <a:solidFill>
-                          <a:schemeClr val="lt1"/>
-                        </a:solidFill>
-                        <a:latin typeface="+mn-lt"/>
-                        <a:ea typeface="+mn-ea"/>
-                        <a:cs typeface="+mn-cs"/>
-                      </a:endParaRPr>
-                    </a:p>
-                  </a:txBody>
-                  <a:tcPr>
-                    <a:solidFill>
-                      <a:schemeClr val="accent1"/>
-                    </a:solidFill>
-                  </a:tcPr>
-                </a:tc>
-                <a:tc>
-                  <a:txBody>
-                    <a:bodyPr/>
-                    <a:lstStyle/>
-                    <a:p>
-                      <a:pPr marL="0" algn="l" defTabSz="914400" rtl="0" eaLnBrk="1" latinLnBrk="0" hangingPunct="1"/>
-                      <a:r>
-                        <a:rPr lang="en-US" altLang="zh-CN" sz="1600" b="1" kern="1200" dirty="0">
-                          <a:solidFill>
-                            <a:schemeClr val="lt1"/>
-                          </a:solidFill>
-                          <a:latin typeface="+mn-lt"/>
-                          <a:ea typeface="+mn-ea"/>
-                          <a:cs typeface="+mn-cs"/>
-                        </a:rPr>
-                        <a:t>Action set 2</a:t>
+                        <a:t>Bucket 2</a:t>
                       </a:r>
                       <a:endParaRPr lang="zh-CN" altLang="en-US" sz="1600" b="1" kern="1200" dirty="0">
                         <a:solidFill>

--- a/doc/SoftwareDesign/NetworkController/SwitchCentricOFRouter.pptx
+++ b/doc/SoftwareDesign/NetworkController/SwitchCentricOFRouter.pptx
@@ -271,7 +271,7 @@
           <a:p>
             <a:fld id="{D071C3B5-86A2-44CC-9BB1-43A4D096BA0E}" type="datetimeFigureOut">
               <a:rPr lang="zh-CN" altLang="en-US" smtClean="0"/>
-              <a:t>2020/10/21</a:t>
+              <a:t>2020/10/27</a:t>
             </a:fld>
             <a:endParaRPr lang="zh-CN" altLang="en-US"/>
           </a:p>
@@ -469,7 +469,7 @@
           <a:p>
             <a:fld id="{D071C3B5-86A2-44CC-9BB1-43A4D096BA0E}" type="datetimeFigureOut">
               <a:rPr lang="zh-CN" altLang="en-US" smtClean="0"/>
-              <a:t>2020/10/21</a:t>
+              <a:t>2020/10/27</a:t>
             </a:fld>
             <a:endParaRPr lang="zh-CN" altLang="en-US"/>
           </a:p>
@@ -677,7 +677,7 @@
           <a:p>
             <a:fld id="{D071C3B5-86A2-44CC-9BB1-43A4D096BA0E}" type="datetimeFigureOut">
               <a:rPr lang="zh-CN" altLang="en-US" smtClean="0"/>
-              <a:t>2020/10/21</a:t>
+              <a:t>2020/10/27</a:t>
             </a:fld>
             <a:endParaRPr lang="zh-CN" altLang="en-US"/>
           </a:p>
@@ -875,7 +875,7 @@
           <a:p>
             <a:fld id="{D071C3B5-86A2-44CC-9BB1-43A4D096BA0E}" type="datetimeFigureOut">
               <a:rPr lang="zh-CN" altLang="en-US" smtClean="0"/>
-              <a:t>2020/10/21</a:t>
+              <a:t>2020/10/27</a:t>
             </a:fld>
             <a:endParaRPr lang="zh-CN" altLang="en-US"/>
           </a:p>
@@ -1150,7 +1150,7 @@
           <a:p>
             <a:fld id="{D071C3B5-86A2-44CC-9BB1-43A4D096BA0E}" type="datetimeFigureOut">
               <a:rPr lang="zh-CN" altLang="en-US" smtClean="0"/>
-              <a:t>2020/10/21</a:t>
+              <a:t>2020/10/27</a:t>
             </a:fld>
             <a:endParaRPr lang="zh-CN" altLang="en-US"/>
           </a:p>
@@ -1415,7 +1415,7 @@
           <a:p>
             <a:fld id="{D071C3B5-86A2-44CC-9BB1-43A4D096BA0E}" type="datetimeFigureOut">
               <a:rPr lang="zh-CN" altLang="en-US" smtClean="0"/>
-              <a:t>2020/10/21</a:t>
+              <a:t>2020/10/27</a:t>
             </a:fld>
             <a:endParaRPr lang="zh-CN" altLang="en-US"/>
           </a:p>
@@ -1827,7 +1827,7 @@
           <a:p>
             <a:fld id="{D071C3B5-86A2-44CC-9BB1-43A4D096BA0E}" type="datetimeFigureOut">
               <a:rPr lang="zh-CN" altLang="en-US" smtClean="0"/>
-              <a:t>2020/10/21</a:t>
+              <a:t>2020/10/27</a:t>
             </a:fld>
             <a:endParaRPr lang="zh-CN" altLang="en-US"/>
           </a:p>
@@ -1968,7 +1968,7 @@
           <a:p>
             <a:fld id="{D071C3B5-86A2-44CC-9BB1-43A4D096BA0E}" type="datetimeFigureOut">
               <a:rPr lang="zh-CN" altLang="en-US" smtClean="0"/>
-              <a:t>2020/10/21</a:t>
+              <a:t>2020/10/27</a:t>
             </a:fld>
             <a:endParaRPr lang="zh-CN" altLang="en-US"/>
           </a:p>
@@ -2081,7 +2081,7 @@
           <a:p>
             <a:fld id="{D071C3B5-86A2-44CC-9BB1-43A4D096BA0E}" type="datetimeFigureOut">
               <a:rPr lang="zh-CN" altLang="en-US" smtClean="0"/>
-              <a:t>2020/10/21</a:t>
+              <a:t>2020/10/27</a:t>
             </a:fld>
             <a:endParaRPr lang="zh-CN" altLang="en-US"/>
           </a:p>
@@ -2392,7 +2392,7 @@
           <a:p>
             <a:fld id="{D071C3B5-86A2-44CC-9BB1-43A4D096BA0E}" type="datetimeFigureOut">
               <a:rPr lang="zh-CN" altLang="en-US" smtClean="0"/>
-              <a:t>2020/10/21</a:t>
+              <a:t>2020/10/27</a:t>
             </a:fld>
             <a:endParaRPr lang="zh-CN" altLang="en-US"/>
           </a:p>
@@ -2680,7 +2680,7 @@
           <a:p>
             <a:fld id="{D071C3B5-86A2-44CC-9BB1-43A4D096BA0E}" type="datetimeFigureOut">
               <a:rPr lang="zh-CN" altLang="en-US" smtClean="0"/>
-              <a:t>2020/10/21</a:t>
+              <a:t>2020/10/27</a:t>
             </a:fld>
             <a:endParaRPr lang="zh-CN" altLang="en-US"/>
           </a:p>
@@ -2921,7 +2921,7 @@
           <a:p>
             <a:fld id="{D071C3B5-86A2-44CC-9BB1-43A4D096BA0E}" type="datetimeFigureOut">
               <a:rPr lang="zh-CN" altLang="en-US" smtClean="0"/>
-              <a:t>2020/10/21</a:t>
+              <a:t>2020/10/27</a:t>
             </a:fld>
             <a:endParaRPr lang="zh-CN" altLang="en-US"/>
           </a:p>
@@ -8596,7 +8596,7 @@
                     </a:p>
                     <a:p>
                       <a:r>
-                        <a:rPr lang="en-US" altLang="zh-CN" sz="1600"/>
+                        <a:rPr lang="en-US" altLang="zh-CN" sz="1600" dirty="0" err="1"/>
                         <a:t>VLANTag</a:t>
                       </a:r>
                       <a:endParaRPr lang="zh-CN" altLang="en-US" sz="1600" dirty="0"/>
@@ -9714,6 +9714,169 @@
                 <a:srgbClr val="FF0000"/>
               </a:solidFill>
             </a:endParaRPr>
+          </a:p>
+        </p:txBody>
+      </p:sp>
+      <p:sp>
+        <p:nvSpPr>
+          <p:cNvPr id="5" name="文本框 4">
+            <a:extLst>
+              <a:ext uri="{FF2B5EF4-FFF2-40B4-BE49-F238E27FC236}">
+                <a16:creationId xmlns:a16="http://schemas.microsoft.com/office/drawing/2014/main" id="{257DFEEE-7453-4B81-819B-7AEA4E6D758B}"/>
+              </a:ext>
+            </a:extLst>
+          </p:cNvPr>
+          <p:cNvSpPr txBox="1"/>
+          <p:nvPr/>
+        </p:nvSpPr>
+        <p:spPr>
+          <a:xfrm>
+            <a:off x="291939" y="2806123"/>
+            <a:ext cx="3350597" cy="2585323"/>
+          </a:xfrm>
+          <a:prstGeom prst="rect">
+            <a:avLst/>
+          </a:prstGeom>
+          <a:noFill/>
+        </p:spPr>
+        <p:txBody>
+          <a:bodyPr wrap="none" rtlCol="0">
+            <a:spAutoFit/>
+          </a:bodyPr>
+          <a:lstStyle/>
+          <a:p>
+            <a:r>
+              <a:rPr lang="en-US" altLang="zh-CN" b="1">
+                <a:effectLst/>
+                <a:latin typeface="Consolas" panose="020B0609020204030204" pitchFamily="49" charset="0"/>
+              </a:rPr>
+              <a:t>Table id:</a:t>
+            </a:r>
+          </a:p>
+          <a:p>
+            <a:r>
+              <a:rPr lang="en-US" altLang="zh-CN" b="1" dirty="0">
+                <a:effectLst/>
+                <a:latin typeface="Consolas" panose="020B0609020204030204" pitchFamily="49" charset="0"/>
+              </a:rPr>
+              <a:t>MAIN_TABLE = 0</a:t>
+            </a:r>
+          </a:p>
+          <a:p>
+            <a:r>
+              <a:rPr lang="en-US" altLang="zh-CN" b="1" dirty="0">
+                <a:effectLst/>
+                <a:latin typeface="Consolas" panose="020B0609020204030204" pitchFamily="49" charset="0"/>
+              </a:rPr>
+              <a:t>IPv4_CLASSIFIER_TABLE = 1</a:t>
+            </a:r>
+          </a:p>
+          <a:p>
+            <a:r>
+              <a:rPr lang="en-US" altLang="zh-CN" b="1" dirty="0">
+                <a:effectLst/>
+                <a:latin typeface="Consolas" panose="020B0609020204030204" pitchFamily="49" charset="0"/>
+              </a:rPr>
+              <a:t>WEST_EAST_TABLE = 2</a:t>
+            </a:r>
+          </a:p>
+          <a:p>
+            <a:r>
+              <a:rPr lang="en-US" altLang="zh-CN" b="1" dirty="0">
+                <a:effectLst/>
+                <a:latin typeface="Consolas" panose="020B0609020204030204" pitchFamily="49" charset="0"/>
+              </a:rPr>
+              <a:t>NORTH_SOUTH_TABLE = 3</a:t>
+            </a:r>
+          </a:p>
+          <a:p>
+            <a:r>
+              <a:rPr lang="en-US" altLang="zh-CN" b="1" dirty="0">
+                <a:effectLst/>
+                <a:latin typeface="Consolas" panose="020B0609020204030204" pitchFamily="49" charset="0"/>
+              </a:rPr>
+              <a:t>VLAN_TABLE = 4</a:t>
+            </a:r>
+          </a:p>
+          <a:p>
+            <a:r>
+              <a:rPr lang="en-US" altLang="zh-CN" b="1" dirty="0" err="1">
+                <a:effectLst/>
+                <a:latin typeface="Consolas" panose="020B0609020204030204" pitchFamily="49" charset="0"/>
+              </a:rPr>
+              <a:t>NotVia_TABLE</a:t>
+            </a:r>
+            <a:r>
+              <a:rPr lang="en-US" altLang="zh-CN" b="1" dirty="0">
+                <a:effectLst/>
+                <a:latin typeface="Consolas" panose="020B0609020204030204" pitchFamily="49" charset="0"/>
+              </a:rPr>
+              <a:t> = 5</a:t>
+            </a:r>
+          </a:p>
+          <a:p>
+            <a:r>
+              <a:rPr lang="en-US" altLang="zh-CN" b="1" dirty="0">
+                <a:effectLst/>
+                <a:latin typeface="Consolas" panose="020B0609020204030204" pitchFamily="49" charset="0"/>
+              </a:rPr>
+              <a:t>UFRR_TABLE = 6</a:t>
+            </a:r>
+          </a:p>
+          <a:p>
+            <a:r>
+              <a:rPr lang="en-US" altLang="zh-CN" b="1" dirty="0">
+                <a:effectLst/>
+                <a:latin typeface="Consolas" panose="020B0609020204030204" pitchFamily="49" charset="0"/>
+              </a:rPr>
+              <a:t>L2_TABLE = 7</a:t>
+            </a:r>
+          </a:p>
+        </p:txBody>
+      </p:sp>
+      <p:sp>
+        <p:nvSpPr>
+          <p:cNvPr id="7" name="文本框 6">
+            <a:extLst>
+              <a:ext uri="{FF2B5EF4-FFF2-40B4-BE49-F238E27FC236}">
+                <a16:creationId xmlns:a16="http://schemas.microsoft.com/office/drawing/2014/main" id="{FE3C74FD-6915-4FE2-9E62-D0964982FC0A}"/>
+              </a:ext>
+            </a:extLst>
+          </p:cNvPr>
+          <p:cNvSpPr txBox="1"/>
+          <p:nvPr/>
+        </p:nvSpPr>
+        <p:spPr>
+          <a:xfrm>
+            <a:off x="334078" y="1506022"/>
+            <a:ext cx="3113353" cy="646331"/>
+          </a:xfrm>
+          <a:prstGeom prst="rect">
+            <a:avLst/>
+          </a:prstGeom>
+          <a:noFill/>
+        </p:spPr>
+        <p:txBody>
+          <a:bodyPr wrap="none" rtlCol="0">
+            <a:spAutoFit/>
+          </a:bodyPr>
+          <a:lstStyle/>
+          <a:p>
+            <a:r>
+              <a:rPr lang="en-US" altLang="zh-CN" dirty="0"/>
+              <a:t>PS: </a:t>
+            </a:r>
+            <a:r>
+              <a:rPr lang="en-US" altLang="zh-CN" sz="1800" dirty="0"/>
+              <a:t>LOCAL_PORT_MAC is the </a:t>
+            </a:r>
+          </a:p>
+          <a:p>
+            <a:r>
+              <a:rPr lang="en-US" altLang="zh-CN" sz="1800" dirty="0"/>
+              <a:t>mac of switch port</a:t>
+            </a:r>
+            <a:endParaRPr lang="zh-CN" altLang="en-US" dirty="0"/>
           </a:p>
         </p:txBody>
       </p:sp>
